--- a/vortrag/abschlusspraesentation_musicmashup.pptx
+++ b/vortrag/abschlusspraesentation_musicmashup.pptx
@@ -5,27 +5,28 @@
     <p:sldMasterId id="2147483661" r:id="rId1"/>
   </p:sldMasterIdLst>
   <p:notesMasterIdLst>
-    <p:notesMasterId r:id="rId20"/>
+    <p:notesMasterId r:id="rId21"/>
   </p:notesMasterIdLst>
   <p:sldIdLst>
     <p:sldId id="270" r:id="rId2"/>
     <p:sldId id="272" r:id="rId3"/>
     <p:sldId id="273" r:id="rId4"/>
-    <p:sldId id="256" r:id="rId5"/>
-    <p:sldId id="257" r:id="rId6"/>
-    <p:sldId id="258" r:id="rId7"/>
-    <p:sldId id="259" r:id="rId8"/>
-    <p:sldId id="260" r:id="rId9"/>
-    <p:sldId id="261" r:id="rId10"/>
-    <p:sldId id="262" r:id="rId11"/>
-    <p:sldId id="263" r:id="rId12"/>
-    <p:sldId id="264" r:id="rId13"/>
-    <p:sldId id="265" r:id="rId14"/>
-    <p:sldId id="266" r:id="rId15"/>
-    <p:sldId id="267" r:id="rId16"/>
-    <p:sldId id="268" r:id="rId17"/>
-    <p:sldId id="269" r:id="rId18"/>
-    <p:sldId id="271" r:id="rId19"/>
+    <p:sldId id="274" r:id="rId5"/>
+    <p:sldId id="256" r:id="rId6"/>
+    <p:sldId id="257" r:id="rId7"/>
+    <p:sldId id="258" r:id="rId8"/>
+    <p:sldId id="259" r:id="rId9"/>
+    <p:sldId id="260" r:id="rId10"/>
+    <p:sldId id="261" r:id="rId11"/>
+    <p:sldId id="262" r:id="rId12"/>
+    <p:sldId id="263" r:id="rId13"/>
+    <p:sldId id="264" r:id="rId14"/>
+    <p:sldId id="265" r:id="rId15"/>
+    <p:sldId id="266" r:id="rId16"/>
+    <p:sldId id="267" r:id="rId17"/>
+    <p:sldId id="268" r:id="rId18"/>
+    <p:sldId id="269" r:id="rId19"/>
+    <p:sldId id="271" r:id="rId20"/>
   </p:sldIdLst>
   <p:sldSz cx="9144000" cy="5143500" type="screen16x9"/>
   <p:notesSz cx="6858000" cy="9144000"/>
@@ -6627,7 +6628,7 @@
         </p:blipFill>
         <p:spPr>
           <a:xfrm>
-            <a:off x="4419578" y="792547"/>
+            <a:off x="6567355" y="2084020"/>
             <a:ext cx="304843" cy="304843"/>
           </a:xfrm>
           <a:prstGeom prst="rect">
@@ -6649,6 +6650,133 @@
 </file>
 
 <file path=ppt/slides/slide10.xml><?xml version="1.0" encoding="utf-8"?>
+<p:sld xmlns:a="http://schemas.openxmlformats.org/drawingml/2006/main" xmlns:r="http://schemas.openxmlformats.org/officeDocument/2006/relationships" xmlns:p="http://schemas.openxmlformats.org/presentationml/2006/main">
+  <p:cSld>
+    <p:spTree>
+      <p:nvGrpSpPr>
+        <p:cNvPr id="1" name=""/>
+        <p:cNvGrpSpPr/>
+        <p:nvPr/>
+      </p:nvGrpSpPr>
+      <p:grpSpPr>
+        <a:xfrm>
+          <a:off x="0" y="0"/>
+          <a:ext cx="0" cy="0"/>
+          <a:chOff x="0" y="0"/>
+          <a:chExt cx="0" cy="0"/>
+        </a:xfrm>
+      </p:grpSpPr>
+      <p:sp>
+        <p:nvSpPr>
+          <p:cNvPr id="38" name="Shape 38"/>
+          <p:cNvSpPr>
+            <a:spLocks noGrp="1"/>
+          </p:cNvSpPr>
+          <p:nvPr>
+            <p:ph type="title"/>
+          </p:nvPr>
+        </p:nvSpPr>
+        <p:spPr>
+          <a:prstGeom prst="rect">
+            <a:avLst/>
+          </a:prstGeom>
+        </p:spPr>
+        <p:txBody>
+          <a:bodyPr>
+            <a:normAutofit fontScale="90000"/>
+          </a:bodyPr>
+          <a:lstStyle/>
+          <a:p>
+            <a:pPr defTabSz="258760">
+              <a:defRPr sz="1800"/>
+            </a:pPr>
+            <a:r>
+              <a:rPr sz="3543"/>
+              <a:t>Probleme und Lösungen:</a:t>
+            </a:r>
+          </a:p>
+          <a:p>
+            <a:pPr defTabSz="258760">
+              <a:defRPr sz="1800"/>
+            </a:pPr>
+            <a:r>
+              <a:rPr sz="3543"/>
+              <a:t>kein Fallback</a:t>
+            </a:r>
+          </a:p>
+        </p:txBody>
+      </p:sp>
+      <p:sp>
+        <p:nvSpPr>
+          <p:cNvPr id="39" name="Shape 39"/>
+          <p:cNvSpPr>
+            <a:spLocks noGrp="1"/>
+          </p:cNvSpPr>
+          <p:nvPr>
+            <p:ph type="body" idx="1"/>
+          </p:nvPr>
+        </p:nvSpPr>
+        <p:spPr>
+          <a:prstGeom prst="rect">
+            <a:avLst/>
+          </a:prstGeom>
+        </p:spPr>
+        <p:txBody>
+          <a:bodyPr/>
+          <a:lstStyle/>
+          <a:p>
+            <a:pPr lvl="0">
+              <a:defRPr sz="1800"/>
+            </a:pPr>
+            <a:r>
+              <a:rPr sz="1898"/>
+              <a:t>Problem: Query aktuell nur über DBTune</a:t>
+            </a:r>
+          </a:p>
+          <a:p>
+            <a:pPr lvl="0">
+              <a:defRPr sz="1800"/>
+            </a:pPr>
+            <a:r>
+              <a:rPr sz="1898"/>
+              <a:t>Lösung: Fallback einrichten</a:t>
+            </a:r>
+          </a:p>
+          <a:p>
+            <a:pPr lvl="1">
+              <a:defRPr sz="1800"/>
+            </a:pPr>
+            <a:r>
+              <a:rPr sz="1898"/>
+              <a:t>MusicbrainzID aus dem Musicbrainz-Dump</a:t>
+            </a:r>
+          </a:p>
+          <a:p>
+            <a:pPr lvl="1">
+              <a:defRPr sz="1800"/>
+            </a:pPr>
+            <a:r>
+              <a:rPr sz="1898"/>
+              <a:t>DBPedia Resource direkt von DBPedia</a:t>
+            </a:r>
+          </a:p>
+        </p:txBody>
+      </p:sp>
+    </p:spTree>
+    <p:extLst>
+      <p:ext uri="{BB962C8B-B14F-4D97-AF65-F5344CB8AC3E}">
+        <p14:creationId xmlns:p14="http://schemas.microsoft.com/office/powerpoint/2010/main" val="3238648705"/>
+      </p:ext>
+    </p:extLst>
+  </p:cSld>
+  <p:clrMapOvr>
+    <a:masterClrMapping/>
+  </p:clrMapOvr>
+  <p:transition spd="med"/>
+</p:sld>
+</file>
+
+<file path=ppt/slides/slide11.xml><?xml version="1.0" encoding="utf-8"?>
 <p:sld xmlns:a="http://schemas.openxmlformats.org/drawingml/2006/main" xmlns:r="http://schemas.openxmlformats.org/officeDocument/2006/relationships" xmlns:p="http://schemas.openxmlformats.org/presentationml/2006/main">
   <p:cSld>
     <p:spTree>
@@ -6793,7 +6921,7 @@
 </p:sld>
 </file>
 
-<file path=ppt/slides/slide11.xml><?xml version="1.0" encoding="utf-8"?>
+<file path=ppt/slides/slide12.xml><?xml version="1.0" encoding="utf-8"?>
 <p:sld xmlns:a="http://schemas.openxmlformats.org/drawingml/2006/main" xmlns:r="http://schemas.openxmlformats.org/officeDocument/2006/relationships" xmlns:p="http://schemas.openxmlformats.org/presentationml/2006/main">
   <p:cSld>
     <p:spTree>
@@ -6888,7 +7016,7 @@
 </p:sld>
 </file>
 
-<file path=ppt/slides/slide12.xml><?xml version="1.0" encoding="utf-8"?>
+<file path=ppt/slides/slide13.xml><?xml version="1.0" encoding="utf-8"?>
 <p:sld xmlns:a="http://schemas.openxmlformats.org/drawingml/2006/main" xmlns:r="http://schemas.openxmlformats.org/officeDocument/2006/relationships" xmlns:p="http://schemas.openxmlformats.org/presentationml/2006/main" show="0">
   <p:cSld>
     <p:spTree>
@@ -7006,7 +7134,7 @@
 </p:sld>
 </file>
 
-<file path=ppt/slides/slide13.xml><?xml version="1.0" encoding="utf-8"?>
+<file path=ppt/slides/slide14.xml><?xml version="1.0" encoding="utf-8"?>
 <p:sld xmlns:a="http://schemas.openxmlformats.org/drawingml/2006/main" xmlns:r="http://schemas.openxmlformats.org/officeDocument/2006/relationships" xmlns:p="http://schemas.openxmlformats.org/presentationml/2006/main" show="0">
   <p:cSld>
     <p:spTree>
@@ -7151,7 +7279,7 @@
 </p:sld>
 </file>
 
-<file path=ppt/slides/slide14.xml><?xml version="1.0" encoding="utf-8"?>
+<file path=ppt/slides/slide15.xml><?xml version="1.0" encoding="utf-8"?>
 <p:sld xmlns:a="http://schemas.openxmlformats.org/drawingml/2006/main" xmlns:r="http://schemas.openxmlformats.org/officeDocument/2006/relationships" xmlns:p="http://schemas.openxmlformats.org/presentationml/2006/main" show="0">
   <p:cSld>
     <p:spTree>
@@ -7269,7 +7397,7 @@
 </p:sld>
 </file>
 
-<file path=ppt/slides/slide15.xml><?xml version="1.0" encoding="utf-8"?>
+<file path=ppt/slides/slide16.xml><?xml version="1.0" encoding="utf-8"?>
 <p:sld xmlns:a="http://schemas.openxmlformats.org/drawingml/2006/main" xmlns:r="http://schemas.openxmlformats.org/officeDocument/2006/relationships" xmlns:p="http://schemas.openxmlformats.org/presentationml/2006/main">
   <p:cSld>
     <p:spTree>
@@ -7400,7 +7528,7 @@
 </p:sld>
 </file>
 
-<file path=ppt/slides/slide16.xml><?xml version="1.0" encoding="utf-8"?>
+<file path=ppt/slides/slide17.xml><?xml version="1.0" encoding="utf-8"?>
 <p:sld xmlns:a="http://schemas.openxmlformats.org/drawingml/2006/main" xmlns:r="http://schemas.openxmlformats.org/officeDocument/2006/relationships" xmlns:p="http://schemas.openxmlformats.org/presentationml/2006/main">
   <p:cSld>
     <p:spTree>
@@ -7516,7 +7644,7 @@
 </p:sld>
 </file>
 
-<file path=ppt/slides/slide17.xml><?xml version="1.0" encoding="utf-8"?>
+<file path=ppt/slides/slide18.xml><?xml version="1.0" encoding="utf-8"?>
 <p:sld xmlns:a="http://schemas.openxmlformats.org/drawingml/2006/main" xmlns:r="http://schemas.openxmlformats.org/officeDocument/2006/relationships" xmlns:p="http://schemas.openxmlformats.org/presentationml/2006/main">
   <p:cSld>
     <p:spTree>
@@ -7623,7 +7751,7 @@
 </p:sld>
 </file>
 
-<file path=ppt/slides/slide18.xml><?xml version="1.0" encoding="utf-8"?>
+<file path=ppt/slides/slide19.xml><?xml version="1.0" encoding="utf-8"?>
 <p:sld xmlns:a="http://schemas.openxmlformats.org/drawingml/2006/main" xmlns:r="http://schemas.openxmlformats.org/officeDocument/2006/relationships" xmlns:p="http://schemas.openxmlformats.org/presentationml/2006/main">
   <p:cSld>
     <p:spTree>
@@ -7914,6 +8042,112 @@
 </file>
 
 <file path=ppt/slides/slide4.xml><?xml version="1.0" encoding="utf-8"?>
+<p:sld xmlns:a="http://schemas.openxmlformats.org/drawingml/2006/main" xmlns:r="http://schemas.openxmlformats.org/officeDocument/2006/relationships" xmlns:p="http://schemas.openxmlformats.org/presentationml/2006/main">
+  <p:cSld>
+    <p:spTree>
+      <p:nvGrpSpPr>
+        <p:cNvPr id="1" name=""/>
+        <p:cNvGrpSpPr/>
+        <p:nvPr/>
+      </p:nvGrpSpPr>
+      <p:grpSpPr>
+        <a:xfrm>
+          <a:off x="0" y="0"/>
+          <a:ext cx="0" cy="0"/>
+          <a:chOff x="0" y="0"/>
+          <a:chExt cx="0" cy="0"/>
+        </a:xfrm>
+      </p:grpSpPr>
+      <p:sp>
+        <p:nvSpPr>
+          <p:cNvPr id="2" name="Titel 1"/>
+          <p:cNvSpPr>
+            <a:spLocks noGrp="1"/>
+          </p:cNvSpPr>
+          <p:nvPr>
+            <p:ph type="title"/>
+          </p:nvPr>
+        </p:nvSpPr>
+        <p:spPr/>
+        <p:txBody>
+          <a:bodyPr/>
+          <a:lstStyle/>
+          <a:p>
+            <a:r>
+              <a:rPr lang="de-DE" smtClean="0"/>
+              <a:t>Agenda</a:t>
+            </a:r>
+            <a:endParaRPr lang="de-DE"/>
+          </a:p>
+        </p:txBody>
+      </p:sp>
+      <p:sp>
+        <p:nvSpPr>
+          <p:cNvPr id="3" name="Inhaltsplatzhalter 2"/>
+          <p:cNvSpPr>
+            <a:spLocks noGrp="1"/>
+          </p:cNvSpPr>
+          <p:nvPr>
+            <p:ph idx="1"/>
+          </p:nvPr>
+        </p:nvSpPr>
+        <p:spPr/>
+        <p:txBody>
+          <a:bodyPr>
+            <a:noAutofit/>
+          </a:bodyPr>
+          <a:lstStyle/>
+          <a:p>
+            <a:r>
+              <a:rPr lang="de-DE" sz="2800" smtClean="0"/>
+              <a:t> Einleitung </a:t>
+            </a:r>
+          </a:p>
+          <a:p>
+            <a:r>
+              <a:rPr lang="de-DE" sz="2800" smtClean="0"/>
+              <a:t> Demo</a:t>
+            </a:r>
+          </a:p>
+          <a:p>
+            <a:r>
+              <a:rPr lang="de-DE" sz="2800" smtClean="0"/>
+              <a:t> Funktionsweise</a:t>
+            </a:r>
+          </a:p>
+          <a:p>
+            <a:r>
+              <a:rPr lang="de-DE" sz="2800" smtClean="0"/>
+              <a:t> Probleme und L</a:t>
+            </a:r>
+            <a:r>
+              <a:rPr lang="en-US" sz="2800" smtClean="0"/>
+              <a:t>ösungen </a:t>
+            </a:r>
+          </a:p>
+          <a:p>
+            <a:r>
+              <a:rPr lang="en-US" sz="2800" smtClean="0"/>
+              <a:t> Ausblick</a:t>
+            </a:r>
+            <a:endParaRPr lang="de-DE" sz="2800"/>
+          </a:p>
+        </p:txBody>
+      </p:sp>
+    </p:spTree>
+    <p:extLst>
+      <p:ext uri="{BB962C8B-B14F-4D97-AF65-F5344CB8AC3E}">
+        <p14:creationId xmlns:p14="http://schemas.microsoft.com/office/powerpoint/2010/main" val="114125703"/>
+      </p:ext>
+    </p:extLst>
+  </p:cSld>
+  <p:clrMapOvr>
+    <a:masterClrMapping/>
+  </p:clrMapOvr>
+</p:sld>
+</file>
+
+<file path=ppt/slides/slide5.xml><?xml version="1.0" encoding="utf-8"?>
 <p:sld xmlns:a="http://schemas.openxmlformats.org/drawingml/2006/main" xmlns:r="http://schemas.openxmlformats.org/officeDocument/2006/relationships" xmlns:p="http://schemas.openxmlformats.org/presentationml/2006/main">
   <p:cSld>
     <p:bg>
@@ -10790,7 +11024,7 @@
 </p:sld>
 </file>
 
-<file path=ppt/slides/slide5.xml><?xml version="1.0" encoding="utf-8"?>
+<file path=ppt/slides/slide6.xml><?xml version="1.0" encoding="utf-8"?>
 <p:sld xmlns:a="http://schemas.openxmlformats.org/drawingml/2006/main" xmlns:r="http://schemas.openxmlformats.org/officeDocument/2006/relationships" xmlns:p="http://schemas.openxmlformats.org/presentationml/2006/main">
   <p:cSld>
     <p:bg>
@@ -17009,7 +17243,7 @@
 </p:sld>
 </file>
 
-<file path=ppt/slides/slide6.xml><?xml version="1.0" encoding="utf-8"?>
+<file path=ppt/slides/slide7.xml><?xml version="1.0" encoding="utf-8"?>
 <p:sld xmlns:a="http://schemas.openxmlformats.org/drawingml/2006/main" xmlns:r="http://schemas.openxmlformats.org/officeDocument/2006/relationships" xmlns:p="http://schemas.openxmlformats.org/presentationml/2006/main">
   <p:cSld>
     <p:spTree>
@@ -17718,7 +17952,7 @@
 </p:sld>
 </file>
 
-<file path=ppt/slides/slide7.xml><?xml version="1.0" encoding="utf-8"?>
+<file path=ppt/slides/slide8.xml><?xml version="1.0" encoding="utf-8"?>
 <p:sld xmlns:a="http://schemas.openxmlformats.org/drawingml/2006/main" xmlns:r="http://schemas.openxmlformats.org/officeDocument/2006/relationships" xmlns:p="http://schemas.openxmlformats.org/presentationml/2006/main">
   <p:cSld>
     <p:spTree>
@@ -17854,7 +18088,7 @@
 </p:sld>
 </file>
 
-<file path=ppt/slides/slide8.xml><?xml version="1.0" encoding="utf-8"?>
+<file path=ppt/slides/slide9.xml><?xml version="1.0" encoding="utf-8"?>
 <p:sld xmlns:a="http://schemas.openxmlformats.org/drawingml/2006/main" xmlns:r="http://schemas.openxmlformats.org/officeDocument/2006/relationships" xmlns:p="http://schemas.openxmlformats.org/presentationml/2006/main" show="0">
   <p:cSld>
     <p:spTree>
@@ -17944,133 +18178,6 @@
     <p:extLst>
       <p:ext uri="{BB962C8B-B14F-4D97-AF65-F5344CB8AC3E}">
         <p14:creationId xmlns:p14="http://schemas.microsoft.com/office/powerpoint/2010/main" val="2809021053"/>
-      </p:ext>
-    </p:extLst>
-  </p:cSld>
-  <p:clrMapOvr>
-    <a:masterClrMapping/>
-  </p:clrMapOvr>
-  <p:transition spd="med"/>
-</p:sld>
-</file>
-
-<file path=ppt/slides/slide9.xml><?xml version="1.0" encoding="utf-8"?>
-<p:sld xmlns:a="http://schemas.openxmlformats.org/drawingml/2006/main" xmlns:r="http://schemas.openxmlformats.org/officeDocument/2006/relationships" xmlns:p="http://schemas.openxmlformats.org/presentationml/2006/main">
-  <p:cSld>
-    <p:spTree>
-      <p:nvGrpSpPr>
-        <p:cNvPr id="1" name=""/>
-        <p:cNvGrpSpPr/>
-        <p:nvPr/>
-      </p:nvGrpSpPr>
-      <p:grpSpPr>
-        <a:xfrm>
-          <a:off x="0" y="0"/>
-          <a:ext cx="0" cy="0"/>
-          <a:chOff x="0" y="0"/>
-          <a:chExt cx="0" cy="0"/>
-        </a:xfrm>
-      </p:grpSpPr>
-      <p:sp>
-        <p:nvSpPr>
-          <p:cNvPr id="38" name="Shape 38"/>
-          <p:cNvSpPr>
-            <a:spLocks noGrp="1"/>
-          </p:cNvSpPr>
-          <p:nvPr>
-            <p:ph type="title"/>
-          </p:nvPr>
-        </p:nvSpPr>
-        <p:spPr>
-          <a:prstGeom prst="rect">
-            <a:avLst/>
-          </a:prstGeom>
-        </p:spPr>
-        <p:txBody>
-          <a:bodyPr>
-            <a:normAutofit fontScale="90000"/>
-          </a:bodyPr>
-          <a:lstStyle/>
-          <a:p>
-            <a:pPr defTabSz="258760">
-              <a:defRPr sz="1800"/>
-            </a:pPr>
-            <a:r>
-              <a:rPr sz="3543"/>
-              <a:t>Probleme und Lösungen:</a:t>
-            </a:r>
-          </a:p>
-          <a:p>
-            <a:pPr defTabSz="258760">
-              <a:defRPr sz="1800"/>
-            </a:pPr>
-            <a:r>
-              <a:rPr sz="3543"/>
-              <a:t>kein Fallback</a:t>
-            </a:r>
-          </a:p>
-        </p:txBody>
-      </p:sp>
-      <p:sp>
-        <p:nvSpPr>
-          <p:cNvPr id="39" name="Shape 39"/>
-          <p:cNvSpPr>
-            <a:spLocks noGrp="1"/>
-          </p:cNvSpPr>
-          <p:nvPr>
-            <p:ph type="body" idx="1"/>
-          </p:nvPr>
-        </p:nvSpPr>
-        <p:spPr>
-          <a:prstGeom prst="rect">
-            <a:avLst/>
-          </a:prstGeom>
-        </p:spPr>
-        <p:txBody>
-          <a:bodyPr/>
-          <a:lstStyle/>
-          <a:p>
-            <a:pPr lvl="0">
-              <a:defRPr sz="1800"/>
-            </a:pPr>
-            <a:r>
-              <a:rPr sz="1898"/>
-              <a:t>Problem: Query aktuell nur über DBTune</a:t>
-            </a:r>
-          </a:p>
-          <a:p>
-            <a:pPr lvl="0">
-              <a:defRPr sz="1800"/>
-            </a:pPr>
-            <a:r>
-              <a:rPr sz="1898"/>
-              <a:t>Lösung: Fallback einrichten</a:t>
-            </a:r>
-          </a:p>
-          <a:p>
-            <a:pPr lvl="1">
-              <a:defRPr sz="1800"/>
-            </a:pPr>
-            <a:r>
-              <a:rPr sz="1898"/>
-              <a:t>MusicbrainzID aus dem Musicbrainz-Dump</a:t>
-            </a:r>
-          </a:p>
-          <a:p>
-            <a:pPr lvl="1">
-              <a:defRPr sz="1800"/>
-            </a:pPr>
-            <a:r>
-              <a:rPr sz="1898"/>
-              <a:t>DBPedia Resource direkt von DBPedia</a:t>
-            </a:r>
-          </a:p>
-        </p:txBody>
-      </p:sp>
-    </p:spTree>
-    <p:extLst>
-      <p:ext uri="{BB962C8B-B14F-4D97-AF65-F5344CB8AC3E}">
-        <p14:creationId xmlns:p14="http://schemas.microsoft.com/office/powerpoint/2010/main" val="3238648705"/>
       </p:ext>
     </p:extLst>
   </p:cSld>

--- a/vortrag/abschlusspraesentation_musicmashup.pptx
+++ b/vortrag/abschlusspraesentation_musicmashup.pptx
@@ -1,32 +1,33 @@
 
 <file path=ppt/presentation.xml><?xml version="1.0" encoding="utf-8"?>
-<p:presentation xmlns:a="http://schemas.openxmlformats.org/drawingml/2006/main" xmlns:r="http://schemas.openxmlformats.org/officeDocument/2006/relationships" xmlns:p="http://schemas.openxmlformats.org/presentationml/2006/main" saveSubsetFonts="1" autoCompressPictures="0">
+<p:presentation xmlns:a="http://schemas.openxmlformats.org/drawingml/2006/main" xmlns:r="http://schemas.openxmlformats.org/officeDocument/2006/relationships" xmlns:p="http://schemas.openxmlformats.org/presentationml/2006/main" showSpecialPlsOnTitleSld="0" saveSubsetFonts="1" autoCompressPictures="0">
   <p:sldMasterIdLst>
     <p:sldMasterId id="2147483661" r:id="rId1"/>
   </p:sldMasterIdLst>
   <p:notesMasterIdLst>
-    <p:notesMasterId r:id="rId21"/>
+    <p:notesMasterId r:id="rId22"/>
   </p:notesMasterIdLst>
   <p:sldIdLst>
     <p:sldId id="270" r:id="rId2"/>
     <p:sldId id="272" r:id="rId3"/>
-    <p:sldId id="273" r:id="rId4"/>
-    <p:sldId id="274" r:id="rId5"/>
-    <p:sldId id="256" r:id="rId6"/>
-    <p:sldId id="257" r:id="rId7"/>
-    <p:sldId id="258" r:id="rId8"/>
-    <p:sldId id="259" r:id="rId9"/>
-    <p:sldId id="260" r:id="rId10"/>
-    <p:sldId id="261" r:id="rId11"/>
-    <p:sldId id="262" r:id="rId12"/>
-    <p:sldId id="263" r:id="rId13"/>
-    <p:sldId id="264" r:id="rId14"/>
-    <p:sldId id="265" r:id="rId15"/>
-    <p:sldId id="266" r:id="rId16"/>
-    <p:sldId id="267" r:id="rId17"/>
-    <p:sldId id="268" r:id="rId18"/>
-    <p:sldId id="269" r:id="rId19"/>
-    <p:sldId id="271" r:id="rId20"/>
+    <p:sldId id="275" r:id="rId4"/>
+    <p:sldId id="273" r:id="rId5"/>
+    <p:sldId id="274" r:id="rId6"/>
+    <p:sldId id="256" r:id="rId7"/>
+    <p:sldId id="257" r:id="rId8"/>
+    <p:sldId id="258" r:id="rId9"/>
+    <p:sldId id="259" r:id="rId10"/>
+    <p:sldId id="260" r:id="rId11"/>
+    <p:sldId id="261" r:id="rId12"/>
+    <p:sldId id="262" r:id="rId13"/>
+    <p:sldId id="263" r:id="rId14"/>
+    <p:sldId id="264" r:id="rId15"/>
+    <p:sldId id="265" r:id="rId16"/>
+    <p:sldId id="266" r:id="rId17"/>
+    <p:sldId id="267" r:id="rId18"/>
+    <p:sldId id="268" r:id="rId19"/>
+    <p:sldId id="269" r:id="rId20"/>
+    <p:sldId id="271" r:id="rId21"/>
   </p:sldIdLst>
   <p:sldSz cx="9144000" cy="5143500" type="screen16x9"/>
   <p:notesSz cx="6858000" cy="9144000"/>
@@ -525,6 +526,90 @@
 </file>
 
 <file path=ppt/notesSlides/notesSlide1.xml><?xml version="1.0" encoding="utf-8"?>
+<p:notes xmlns:a="http://schemas.openxmlformats.org/drawingml/2006/main" xmlns:r="http://schemas.openxmlformats.org/officeDocument/2006/relationships" xmlns:p="http://schemas.openxmlformats.org/presentationml/2006/main">
+  <p:cSld>
+    <p:spTree>
+      <p:nvGrpSpPr>
+        <p:cNvPr id="1" name=""/>
+        <p:cNvGrpSpPr/>
+        <p:nvPr/>
+      </p:nvGrpSpPr>
+      <p:grpSpPr>
+        <a:xfrm>
+          <a:off x="0" y="0"/>
+          <a:ext cx="0" cy="0"/>
+          <a:chOff x="0" y="0"/>
+          <a:chExt cx="0" cy="0"/>
+        </a:xfrm>
+      </p:grpSpPr>
+      <p:sp>
+        <p:nvSpPr>
+          <p:cNvPr id="2" name="Folienbildplatzhalter 1"/>
+          <p:cNvSpPr>
+            <a:spLocks noGrp="1" noRot="1" noChangeAspect="1"/>
+          </p:cNvSpPr>
+          <p:nvPr>
+            <p:ph type="sldImg"/>
+          </p:nvPr>
+        </p:nvSpPr>
+        <p:spPr/>
+      </p:sp>
+      <p:sp>
+        <p:nvSpPr>
+          <p:cNvPr id="3" name="Notizenplatzhalter 2"/>
+          <p:cNvSpPr>
+            <a:spLocks noGrp="1"/>
+          </p:cNvSpPr>
+          <p:nvPr>
+            <p:ph type="body" idx="1"/>
+          </p:nvPr>
+        </p:nvSpPr>
+        <p:spPr/>
+        <p:txBody>
+          <a:bodyPr/>
+          <a:lstStyle/>
+          <a:p>
+            <a:endParaRPr lang="de-DE"/>
+          </a:p>
+        </p:txBody>
+      </p:sp>
+      <p:sp>
+        <p:nvSpPr>
+          <p:cNvPr id="4" name="Foliennummernplatzhalter 3"/>
+          <p:cNvSpPr>
+            <a:spLocks noGrp="1"/>
+          </p:cNvSpPr>
+          <p:nvPr>
+            <p:ph type="sldNum" sz="quarter" idx="10"/>
+          </p:nvPr>
+        </p:nvSpPr>
+        <p:spPr/>
+        <p:txBody>
+          <a:bodyPr/>
+          <a:lstStyle/>
+          <a:p>
+            <a:fld id="{0C23FA4D-B6B7-4712-A989-18768D9B88F6}" type="slidenum">
+              <a:rPr lang="de-DE" smtClean="0"/>
+              <a:t>5</a:t>
+            </a:fld>
+            <a:endParaRPr lang="de-DE"/>
+          </a:p>
+        </p:txBody>
+      </p:sp>
+    </p:spTree>
+    <p:extLst>
+      <p:ext uri="{BB962C8B-B14F-4D97-AF65-F5344CB8AC3E}">
+        <p14:creationId xmlns:p14="http://schemas.microsoft.com/office/powerpoint/2010/main" val="3460231751"/>
+      </p:ext>
+    </p:extLst>
+  </p:cSld>
+  <p:clrMapOvr>
+    <a:masterClrMapping/>
+  </p:clrMapOvr>
+</p:notes>
+</file>
+
+<file path=ppt/notesSlides/notesSlide2.xml><?xml version="1.0" encoding="utf-8"?>
 <p:notes xmlns:a="http://schemas.openxmlformats.org/drawingml/2006/main" xmlns:r="http://schemas.openxmlformats.org/officeDocument/2006/relationships" xmlns:p="http://schemas.openxmlformats.org/presentationml/2006/main">
   <p:cSld>
     <p:spTree>
@@ -1336,10 +1421,9 @@
           <a:bodyPr/>
           <a:lstStyle/>
           <a:p>
-            <a:fld id="{D8F27F00-2ACD-48C1-A6D9-2FE673AE4FC3}" type="datetimeFigureOut">
+            <a:fld id="{C09981E8-F60B-4702-A990-81F652B49E15}" type="datetime1">
               <a:rPr lang="de-DE" altLang="de-DE" smtClean="0"/>
-              <a:pPr/>
-              <a:t>04.02.2015</a:t>
+              <a:t>05.02.2015</a:t>
             </a:fld>
             <a:endParaRPr lang="de-DE" altLang="de-DE"/>
           </a:p>
@@ -1363,6 +1447,10 @@
             <a:pPr>
               <a:defRPr/>
             </a:pPr>
+            <a:r>
+              <a:rPr lang="de-DE" smtClean="0"/>
+              <a:t>MusicMashup Abschlusspräsentation, 05.02.2015</a:t>
+            </a:r>
             <a:endParaRPr lang="de-DE"/>
           </a:p>
         </p:txBody>
@@ -1592,10 +1680,9 @@
           <a:bodyPr/>
           <a:lstStyle/>
           <a:p>
-            <a:fld id="{6E264945-4DE9-4DCC-9AE6-1E749BAA4DCA}" type="datetimeFigureOut">
+            <a:fld id="{43A49CF6-CEEC-4E9C-849B-92F45935DC0E}" type="datetime1">
               <a:rPr lang="de-DE" altLang="de-DE" smtClean="0"/>
-              <a:pPr/>
-              <a:t>04.02.2015</a:t>
+              <a:t>05.02.2015</a:t>
             </a:fld>
             <a:endParaRPr lang="de-DE" altLang="de-DE"/>
           </a:p>
@@ -1619,6 +1706,10 @@
             <a:pPr>
               <a:defRPr/>
             </a:pPr>
+            <a:r>
+              <a:rPr lang="de-DE" smtClean="0"/>
+              <a:t>MusicMashup Abschlusspräsentation, 05.02.2015</a:t>
+            </a:r>
             <a:endParaRPr lang="de-DE"/>
           </a:p>
         </p:txBody>
@@ -1911,10 +2002,9 @@
           <a:bodyPr/>
           <a:lstStyle/>
           <a:p>
-            <a:fld id="{6E264945-4DE9-4DCC-9AE6-1E749BAA4DCA}" type="datetimeFigureOut">
+            <a:fld id="{B82E1891-78B7-480E-90E9-9FA1C1585EE5}" type="datetime1">
               <a:rPr lang="de-DE" altLang="de-DE" smtClean="0"/>
-              <a:pPr/>
-              <a:t>04.02.2015</a:t>
+              <a:t>05.02.2015</a:t>
             </a:fld>
             <a:endParaRPr lang="de-DE" altLang="de-DE"/>
           </a:p>
@@ -1938,6 +2028,10 @@
             <a:pPr>
               <a:defRPr/>
             </a:pPr>
+            <a:r>
+              <a:rPr lang="de-DE" smtClean="0"/>
+              <a:t>MusicMashup Abschlusspräsentation, 05.02.2015</a:t>
+            </a:r>
             <a:endParaRPr lang="de-DE"/>
           </a:p>
         </p:txBody>
@@ -2257,10 +2351,9 @@
           <a:bodyPr/>
           <a:lstStyle/>
           <a:p>
-            <a:fld id="{6E264945-4DE9-4DCC-9AE6-1E749BAA4DCA}" type="datetimeFigureOut">
+            <a:fld id="{F9686164-4E6A-47AB-8B7E-4ADB9E1D1423}" type="datetime1">
               <a:rPr lang="de-DE" altLang="de-DE" smtClean="0"/>
-              <a:pPr/>
-              <a:t>04.02.2015</a:t>
+              <a:t>05.02.2015</a:t>
             </a:fld>
             <a:endParaRPr lang="de-DE" altLang="de-DE"/>
           </a:p>
@@ -2284,6 +2377,10 @@
             <a:pPr>
               <a:defRPr/>
             </a:pPr>
+            <a:r>
+              <a:rPr lang="de-DE" smtClean="0"/>
+              <a:t>MusicMashup Abschlusspräsentation, 05.02.2015</a:t>
+            </a:r>
             <a:endParaRPr lang="de-DE"/>
           </a:p>
         </p:txBody>
@@ -2576,10 +2673,9 @@
           <a:bodyPr/>
           <a:lstStyle/>
           <a:p>
-            <a:fld id="{6E264945-4DE9-4DCC-9AE6-1E749BAA4DCA}" type="datetimeFigureOut">
+            <a:fld id="{C10F4BDB-FAFD-4527-A4CC-51FE6669CACF}" type="datetime1">
               <a:rPr lang="de-DE" altLang="de-DE" smtClean="0"/>
-              <a:pPr/>
-              <a:t>04.02.2015</a:t>
+              <a:t>05.02.2015</a:t>
             </a:fld>
             <a:endParaRPr lang="de-DE" altLang="de-DE"/>
           </a:p>
@@ -2603,6 +2699,10 @@
             <a:pPr>
               <a:defRPr/>
             </a:pPr>
+            <a:r>
+              <a:rPr lang="de-DE" smtClean="0"/>
+              <a:t>MusicMashup Abschlusspräsentation, 05.02.2015</a:t>
+            </a:r>
             <a:endParaRPr lang="de-DE"/>
           </a:p>
         </p:txBody>
@@ -2974,10 +3074,9 @@
           <a:bodyPr/>
           <a:lstStyle/>
           <a:p>
-            <a:fld id="{6E264945-4DE9-4DCC-9AE6-1E749BAA4DCA}" type="datetimeFigureOut">
+            <a:fld id="{DCAA5C98-A856-4040-B8B3-4FC28C1B5F35}" type="datetime1">
               <a:rPr lang="de-DE" altLang="de-DE" smtClean="0"/>
-              <a:pPr/>
-              <a:t>04.02.2015</a:t>
+              <a:t>05.02.2015</a:t>
             </a:fld>
             <a:endParaRPr lang="de-DE" altLang="de-DE"/>
           </a:p>
@@ -3001,6 +3100,10 @@
             <a:pPr>
               <a:defRPr/>
             </a:pPr>
+            <a:r>
+              <a:rPr lang="de-DE" smtClean="0"/>
+              <a:t>MusicMashup Abschlusspräsentation, 05.02.2015</a:t>
+            </a:r>
             <a:endParaRPr lang="de-DE"/>
           </a:p>
         </p:txBody>
@@ -3149,10 +3252,9 @@
           <a:bodyPr/>
           <a:lstStyle/>
           <a:p>
-            <a:fld id="{52BE9A5D-9660-40A2-A066-730BF9B86F79}" type="datetimeFigureOut">
+            <a:fld id="{047F2062-DFE5-46E4-879F-B778939217B3}" type="datetime1">
               <a:rPr lang="de-DE" altLang="de-DE" smtClean="0"/>
-              <a:pPr/>
-              <a:t>04.02.2015</a:t>
+              <a:t>05.02.2015</a:t>
             </a:fld>
             <a:endParaRPr lang="de-DE" altLang="de-DE"/>
           </a:p>
@@ -3176,6 +3278,10 @@
             <a:pPr>
               <a:defRPr/>
             </a:pPr>
+            <a:r>
+              <a:rPr lang="de-DE" smtClean="0"/>
+              <a:t>MusicMashup Abschlusspräsentation, 05.02.2015</a:t>
+            </a:r>
             <a:endParaRPr lang="de-DE"/>
           </a:p>
         </p:txBody>
@@ -3334,10 +3440,9 @@
           <a:bodyPr/>
           <a:lstStyle/>
           <a:p>
-            <a:fld id="{D0F9FAB4-3C7B-46E7-86B3-58FF7520D0BA}" type="datetimeFigureOut">
+            <a:fld id="{2AC2A354-91F4-4803-A9D9-532E372D5F82}" type="datetime1">
               <a:rPr lang="de-DE" altLang="de-DE" smtClean="0"/>
-              <a:pPr/>
-              <a:t>04.02.2015</a:t>
+              <a:t>05.02.2015</a:t>
             </a:fld>
             <a:endParaRPr lang="de-DE" altLang="de-DE"/>
           </a:p>
@@ -3361,6 +3466,10 @@
             <a:pPr>
               <a:defRPr/>
             </a:pPr>
+            <a:r>
+              <a:rPr lang="de-DE" smtClean="0"/>
+              <a:t>MusicMashup Abschlusspräsentation, 05.02.2015</a:t>
+            </a:r>
             <a:endParaRPr lang="de-DE"/>
           </a:p>
         </p:txBody>
@@ -3640,10 +3749,9 @@
           <a:bodyPr/>
           <a:lstStyle/>
           <a:p>
-            <a:fld id="{EDEA4835-1852-43D7-8613-7C5544A2AB97}" type="datetimeFigureOut">
+            <a:fld id="{3EFA48F4-E715-4B8D-954C-9F0FADE0C92F}" type="datetime1">
               <a:rPr lang="de-DE" altLang="de-DE" smtClean="0"/>
-              <a:pPr/>
-              <a:t>04.02.2015</a:t>
+              <a:t>05.02.2015</a:t>
             </a:fld>
             <a:endParaRPr lang="de-DE" altLang="de-DE"/>
           </a:p>
@@ -3667,6 +3775,10 @@
             <a:pPr>
               <a:defRPr/>
             </a:pPr>
+            <a:r>
+              <a:rPr lang="de-DE" smtClean="0"/>
+              <a:t>MusicMashup Abschlusspräsentation, 05.02.2015</a:t>
+            </a:r>
             <a:endParaRPr lang="de-DE"/>
           </a:p>
         </p:txBody>
@@ -3892,10 +4004,9 @@
           <a:bodyPr/>
           <a:lstStyle/>
           <a:p>
-            <a:fld id="{6E264945-4DE9-4DCC-9AE6-1E749BAA4DCA}" type="datetimeFigureOut">
+            <a:fld id="{E9A4C04B-F730-4626-8C96-D54B1FF92FD5}" type="datetime1">
               <a:rPr lang="de-DE" altLang="de-DE" smtClean="0"/>
-              <a:pPr/>
-              <a:t>04.02.2015</a:t>
+              <a:t>05.02.2015</a:t>
             </a:fld>
             <a:endParaRPr lang="de-DE" altLang="de-DE"/>
           </a:p>
@@ -3919,6 +4030,10 @@
             <a:pPr>
               <a:defRPr/>
             </a:pPr>
+            <a:r>
+              <a:rPr lang="de-DE" smtClean="0"/>
+              <a:t>MusicMashup Abschlusspräsentation, 05.02.2015</a:t>
+            </a:r>
             <a:endParaRPr lang="de-DE"/>
           </a:p>
         </p:txBody>
@@ -4129,10 +4244,9 @@
           <a:bodyPr/>
           <a:lstStyle/>
           <a:p>
-            <a:fld id="{5EF7051A-CF84-4960-A475-E06CACB79D5B}" type="datetimeFigureOut">
+            <a:fld id="{11DFEFDE-4824-406D-B3DA-3034E09A380C}" type="datetime1">
               <a:rPr lang="de-DE" altLang="de-DE" smtClean="0"/>
-              <a:pPr/>
-              <a:t>04.02.2015</a:t>
+              <a:t>05.02.2015</a:t>
             </a:fld>
             <a:endParaRPr lang="de-DE" altLang="de-DE"/>
           </a:p>
@@ -4156,6 +4270,10 @@
             <a:pPr>
               <a:defRPr/>
             </a:pPr>
+            <a:r>
+              <a:rPr lang="de-DE" smtClean="0"/>
+              <a:t>MusicMashup Abschlusspräsentation, 05.02.2015</a:t>
+            </a:r>
             <a:endParaRPr lang="de-DE"/>
           </a:p>
         </p:txBody>
@@ -4508,10 +4626,9 @@
           <a:bodyPr/>
           <a:lstStyle/>
           <a:p>
-            <a:fld id="{9337BE5B-14FF-445A-B8E8-76EB1D4BB29A}" type="datetimeFigureOut">
+            <a:fld id="{CE2A95AF-92B9-4881-8005-C1B1BC4604F3}" type="datetime1">
               <a:rPr lang="de-DE" altLang="de-DE" smtClean="0"/>
-              <a:pPr/>
-              <a:t>04.02.2015</a:t>
+              <a:t>05.02.2015</a:t>
             </a:fld>
             <a:endParaRPr lang="de-DE" altLang="de-DE"/>
           </a:p>
@@ -4535,6 +4652,10 @@
             <a:pPr>
               <a:defRPr/>
             </a:pPr>
+            <a:r>
+              <a:rPr lang="de-DE" smtClean="0"/>
+              <a:t>MusicMashup Abschlusspräsentation, 05.02.2015</a:t>
+            </a:r>
             <a:endParaRPr lang="de-DE"/>
           </a:p>
         </p:txBody>
@@ -4636,10 +4757,9 @@
           <a:bodyPr/>
           <a:lstStyle/>
           <a:p>
-            <a:fld id="{41C5F4F3-9FA5-4576-84A7-E22ADD224A0B}" type="datetimeFigureOut">
+            <a:fld id="{E855E957-C1A7-45B5-A19D-CD3FA49117BC}" type="datetime1">
               <a:rPr lang="de-DE" altLang="de-DE" smtClean="0"/>
-              <a:pPr/>
-              <a:t>04.02.2015</a:t>
+              <a:t>05.02.2015</a:t>
             </a:fld>
             <a:endParaRPr lang="de-DE" altLang="de-DE"/>
           </a:p>
@@ -4663,6 +4783,10 @@
             <a:pPr>
               <a:defRPr/>
             </a:pPr>
+            <a:r>
+              <a:rPr lang="de-DE" smtClean="0"/>
+              <a:t>MusicMashup Abschlusspräsentation, 05.02.2015</a:t>
+            </a:r>
             <a:endParaRPr lang="de-DE"/>
           </a:p>
         </p:txBody>
@@ -4736,10 +4860,9 @@
           <a:bodyPr/>
           <a:lstStyle/>
           <a:p>
-            <a:fld id="{6AC28B47-A51F-4033-9822-018762818FE3}" type="datetimeFigureOut">
+            <a:fld id="{7B75146D-293C-4320-83FF-8E6304E89EC6}" type="datetime1">
               <a:rPr lang="de-DE" altLang="de-DE" smtClean="0"/>
-              <a:pPr/>
-              <a:t>04.02.2015</a:t>
+              <a:t>05.02.2015</a:t>
             </a:fld>
             <a:endParaRPr lang="de-DE" altLang="de-DE"/>
           </a:p>
@@ -4763,6 +4886,10 @@
             <a:pPr>
               <a:defRPr/>
             </a:pPr>
+            <a:r>
+              <a:rPr lang="de-DE" smtClean="0"/>
+              <a:t>MusicMashup Abschlusspräsentation, 05.02.2015</a:t>
+            </a:r>
             <a:endParaRPr lang="de-DE"/>
           </a:p>
         </p:txBody>
@@ -4996,10 +5123,9 @@
           <a:bodyPr/>
           <a:lstStyle/>
           <a:p>
-            <a:fld id="{6E264945-4DE9-4DCC-9AE6-1E749BAA4DCA}" type="datetimeFigureOut">
+            <a:fld id="{BD374F15-2333-4FB7-987D-6CA75177E781}" type="datetime1">
               <a:rPr lang="de-DE" altLang="de-DE" smtClean="0"/>
-              <a:pPr/>
-              <a:t>04.02.2015</a:t>
+              <a:t>05.02.2015</a:t>
             </a:fld>
             <a:endParaRPr lang="de-DE" altLang="de-DE"/>
           </a:p>
@@ -5023,6 +5149,10 @@
             <a:pPr>
               <a:defRPr/>
             </a:pPr>
+            <a:r>
+              <a:rPr lang="de-DE" smtClean="0"/>
+              <a:t>MusicMashup Abschlusspräsentation, 05.02.2015</a:t>
+            </a:r>
             <a:endParaRPr lang="de-DE"/>
           </a:p>
         </p:txBody>
@@ -5264,10 +5394,9 @@
           <a:bodyPr/>
           <a:lstStyle/>
           <a:p>
-            <a:fld id="{6E264945-4DE9-4DCC-9AE6-1E749BAA4DCA}" type="datetimeFigureOut">
+            <a:fld id="{AC39578D-214A-4387-BFD1-9041C756CCEB}" type="datetime1">
               <a:rPr lang="de-DE" altLang="de-DE" smtClean="0"/>
-              <a:pPr/>
-              <a:t>04.02.2015</a:t>
+              <a:t>05.02.2015</a:t>
             </a:fld>
             <a:endParaRPr lang="de-DE" altLang="de-DE"/>
           </a:p>
@@ -5291,6 +5420,10 @@
             <a:pPr>
               <a:defRPr/>
             </a:pPr>
+            <a:r>
+              <a:rPr lang="de-DE" smtClean="0"/>
+              <a:t>MusicMashup Abschlusspräsentation, 05.02.2015</a:t>
+            </a:r>
             <a:endParaRPr lang="de-DE"/>
           </a:p>
         </p:txBody>
@@ -6012,10 +6145,9 @@
             </a:lvl1pPr>
           </a:lstStyle>
           <a:p>
-            <a:fld id="{6E264945-4DE9-4DCC-9AE6-1E749BAA4DCA}" type="datetimeFigureOut">
+            <a:fld id="{AEAF5548-F0B0-4894-9C04-0E309EFFFDB2}" type="datetime1">
               <a:rPr lang="de-DE" altLang="de-DE" smtClean="0"/>
-              <a:pPr/>
-              <a:t>04.02.2015</a:t>
+              <a:t>05.02.2015</a:t>
             </a:fld>
             <a:endParaRPr lang="de-DE" altLang="de-DE"/>
           </a:p>
@@ -6057,6 +6189,10 @@
             <a:pPr>
               <a:defRPr/>
             </a:pPr>
+            <a:r>
+              <a:rPr lang="de-DE" smtClean="0"/>
+              <a:t>MusicMashup Abschlusspräsentation, 05.02.2015</a:t>
+            </a:r>
             <a:endParaRPr lang="de-DE"/>
           </a:p>
         </p:txBody>
@@ -6128,6 +6264,7 @@
     <p:sldLayoutId id="2147483677" r:id="rId16"/>
     <p:sldLayoutId id="2147483678" r:id="rId17"/>
   </p:sldLayoutIdLst>
+  <p:hf hdr="0" dt="0"/>
   <p:txStyles>
     <p:titleStyle>
       <a:lvl1pPr algn="l" defTabSz="342900" rtl="0" eaLnBrk="1" latinLnBrk="0" hangingPunct="1">
@@ -6646,10 +6783,124 @@
   <p:clrMapOvr>
     <a:masterClrMapping/>
   </p:clrMapOvr>
+  <p:timing>
+    <p:tnLst>
+      <p:par>
+        <p:cTn id="1" dur="indefinite" restart="never" nodeType="tmRoot"/>
+      </p:par>
+    </p:tnLst>
+  </p:timing>
 </p:sld>
 </file>
 
 <file path=ppt/slides/slide10.xml><?xml version="1.0" encoding="utf-8"?>
+<p:sld xmlns:a="http://schemas.openxmlformats.org/drawingml/2006/main" xmlns:r="http://schemas.openxmlformats.org/officeDocument/2006/relationships" xmlns:p="http://schemas.openxmlformats.org/presentationml/2006/main" show="0">
+  <p:cSld>
+    <p:spTree>
+      <p:nvGrpSpPr>
+        <p:cNvPr id="1" name=""/>
+        <p:cNvGrpSpPr/>
+        <p:nvPr/>
+      </p:nvGrpSpPr>
+      <p:grpSpPr>
+        <a:xfrm>
+          <a:off x="0" y="0"/>
+          <a:ext cx="0" cy="0"/>
+          <a:chOff x="0" y="0"/>
+          <a:chExt cx="0" cy="0"/>
+        </a:xfrm>
+      </p:grpSpPr>
+      <p:sp>
+        <p:nvSpPr>
+          <p:cNvPr id="35" name="Shape 35"/>
+          <p:cNvSpPr>
+            <a:spLocks noGrp="1"/>
+          </p:cNvSpPr>
+          <p:nvPr>
+            <p:ph type="title"/>
+          </p:nvPr>
+        </p:nvSpPr>
+        <p:spPr>
+          <a:prstGeom prst="rect">
+            <a:avLst/>
+          </a:prstGeom>
+        </p:spPr>
+        <p:txBody>
+          <a:bodyPr>
+            <a:normAutofit fontScale="90000"/>
+          </a:bodyPr>
+          <a:lstStyle/>
+          <a:p>
+            <a:pPr defTabSz="258760">
+              <a:defRPr sz="1800"/>
+            </a:pPr>
+            <a:r>
+              <a:rPr sz="3543"/>
+              <a:t>Probleme und Lösungen:</a:t>
+            </a:r>
+          </a:p>
+          <a:p>
+            <a:pPr defTabSz="258760">
+              <a:defRPr sz="1800"/>
+            </a:pPr>
+            <a:r>
+              <a:rPr sz="3543"/>
+              <a:t>unbekannte Bands</a:t>
+            </a:r>
+          </a:p>
+        </p:txBody>
+      </p:sp>
+      <p:sp>
+        <p:nvSpPr>
+          <p:cNvPr id="36" name="Shape 36"/>
+          <p:cNvSpPr>
+            <a:spLocks noGrp="1"/>
+          </p:cNvSpPr>
+          <p:nvPr>
+            <p:ph type="body" idx="1"/>
+          </p:nvPr>
+        </p:nvSpPr>
+        <p:spPr>
+          <a:prstGeom prst="rect">
+            <a:avLst/>
+          </a:prstGeom>
+        </p:spPr>
+        <p:txBody>
+          <a:bodyPr/>
+          <a:lstStyle/>
+          <a:p>
+            <a:pPr lvl="0">
+              <a:defRPr sz="1800"/>
+            </a:pPr>
+            <a:r>
+              <a:rPr sz="1898"/>
+              <a:t>DBPedia und Musicbrainz kennen nicht alle Bands</a:t>
+            </a:r>
+          </a:p>
+        </p:txBody>
+      </p:sp>
+    </p:spTree>
+    <p:extLst>
+      <p:ext uri="{BB962C8B-B14F-4D97-AF65-F5344CB8AC3E}">
+        <p14:creationId xmlns:p14="http://schemas.microsoft.com/office/powerpoint/2010/main" val="2809021053"/>
+      </p:ext>
+    </p:extLst>
+  </p:cSld>
+  <p:clrMapOvr>
+    <a:masterClrMapping/>
+  </p:clrMapOvr>
+  <p:transition spd="med"/>
+  <p:timing>
+    <p:tnLst>
+      <p:par>
+        <p:cTn id="1" dur="indefinite" restart="never" nodeType="tmRoot"/>
+      </p:par>
+    </p:tnLst>
+  </p:timing>
+</p:sld>
+</file>
+
+<file path=ppt/slides/slide11.xml><?xml version="1.0" encoding="utf-8"?>
 <p:sld xmlns:a="http://schemas.openxmlformats.org/drawingml/2006/main" xmlns:r="http://schemas.openxmlformats.org/officeDocument/2006/relationships" xmlns:p="http://schemas.openxmlformats.org/presentationml/2006/main">
   <p:cSld>
     <p:spTree>
@@ -6773,10 +7024,17 @@
     <a:masterClrMapping/>
   </p:clrMapOvr>
   <p:transition spd="med"/>
+  <p:timing>
+    <p:tnLst>
+      <p:par>
+        <p:cTn id="1" dur="indefinite" restart="never" nodeType="tmRoot"/>
+      </p:par>
+    </p:tnLst>
+  </p:timing>
 </p:sld>
 </file>
 
-<file path=ppt/slides/slide11.xml><?xml version="1.0" encoding="utf-8"?>
+<file path=ppt/slides/slide12.xml><?xml version="1.0" encoding="utf-8"?>
 <p:sld xmlns:a="http://schemas.openxmlformats.org/drawingml/2006/main" xmlns:r="http://schemas.openxmlformats.org/officeDocument/2006/relationships" xmlns:p="http://schemas.openxmlformats.org/presentationml/2006/main">
   <p:cSld>
     <p:spTree>
@@ -6826,11 +7084,7 @@
             </a:pPr>
             <a:r>
               <a:rPr sz="3543"/>
-              <a:t>Probleme </a:t>
-            </a:r>
-            <a:r>
-              <a:rPr sz="3543"/>
-              <a:t>und </a:t>
+              <a:t>Probleme und </a:t>
             </a:r>
             <a:r>
               <a:rPr sz="3543" smtClean="0"/>
@@ -6918,10 +7172,17 @@
     <a:masterClrMapping/>
   </p:clrMapOvr>
   <p:transition spd="med"/>
+  <p:timing>
+    <p:tnLst>
+      <p:par>
+        <p:cTn id="1" dur="indefinite" restart="never" nodeType="tmRoot"/>
+      </p:par>
+    </p:tnLst>
+  </p:timing>
 </p:sld>
 </file>
 
-<file path=ppt/slides/slide12.xml><?xml version="1.0" encoding="utf-8"?>
+<file path=ppt/slides/slide13.xml><?xml version="1.0" encoding="utf-8"?>
 <p:sld xmlns:a="http://schemas.openxmlformats.org/drawingml/2006/main" xmlns:r="http://schemas.openxmlformats.org/officeDocument/2006/relationships" xmlns:p="http://schemas.openxmlformats.org/presentationml/2006/main">
   <p:cSld>
     <p:spTree>
@@ -7013,10 +7274,17 @@
     <a:masterClrMapping/>
   </p:clrMapOvr>
   <p:transition spd="med"/>
+  <p:timing>
+    <p:tnLst>
+      <p:par>
+        <p:cTn id="1" dur="indefinite" restart="never" nodeType="tmRoot"/>
+      </p:par>
+    </p:tnLst>
+  </p:timing>
 </p:sld>
 </file>
 
-<file path=ppt/slides/slide13.xml><?xml version="1.0" encoding="utf-8"?>
+<file path=ppt/slides/slide14.xml><?xml version="1.0" encoding="utf-8"?>
 <p:sld xmlns:a="http://schemas.openxmlformats.org/drawingml/2006/main" xmlns:r="http://schemas.openxmlformats.org/officeDocument/2006/relationships" xmlns:p="http://schemas.openxmlformats.org/presentationml/2006/main" show="0">
   <p:cSld>
     <p:spTree>
@@ -7131,10 +7399,17 @@
     <a:masterClrMapping/>
   </p:clrMapOvr>
   <p:transition spd="med"/>
+  <p:timing>
+    <p:tnLst>
+      <p:par>
+        <p:cTn id="1" dur="indefinite" restart="never" nodeType="tmRoot"/>
+      </p:par>
+    </p:tnLst>
+  </p:timing>
 </p:sld>
 </file>
 
-<file path=ppt/slides/slide14.xml><?xml version="1.0" encoding="utf-8"?>
+<file path=ppt/slides/slide15.xml><?xml version="1.0" encoding="utf-8"?>
 <p:sld xmlns:a="http://schemas.openxmlformats.org/drawingml/2006/main" xmlns:r="http://schemas.openxmlformats.org/officeDocument/2006/relationships" xmlns:p="http://schemas.openxmlformats.org/presentationml/2006/main" show="0">
   <p:cSld>
     <p:spTree>
@@ -7279,7 +7554,7 @@
 </p:sld>
 </file>
 
-<file path=ppt/slides/slide15.xml><?xml version="1.0" encoding="utf-8"?>
+<file path=ppt/slides/slide16.xml><?xml version="1.0" encoding="utf-8"?>
 <p:sld xmlns:a="http://schemas.openxmlformats.org/drawingml/2006/main" xmlns:r="http://schemas.openxmlformats.org/officeDocument/2006/relationships" xmlns:p="http://schemas.openxmlformats.org/presentationml/2006/main" show="0">
   <p:cSld>
     <p:spTree>
@@ -7394,10 +7669,17 @@
     <a:masterClrMapping/>
   </p:clrMapOvr>
   <p:transition spd="med"/>
+  <p:timing>
+    <p:tnLst>
+      <p:par>
+        <p:cTn id="1" dur="indefinite" restart="never" nodeType="tmRoot"/>
+      </p:par>
+    </p:tnLst>
+  </p:timing>
 </p:sld>
 </file>
 
-<file path=ppt/slides/slide16.xml><?xml version="1.0" encoding="utf-8"?>
+<file path=ppt/slides/slide17.xml><?xml version="1.0" encoding="utf-8"?>
 <p:sld xmlns:a="http://schemas.openxmlformats.org/drawingml/2006/main" xmlns:r="http://schemas.openxmlformats.org/officeDocument/2006/relationships" xmlns:p="http://schemas.openxmlformats.org/presentationml/2006/main">
   <p:cSld>
     <p:spTree>
@@ -7525,10 +7807,17 @@
     <a:masterClrMapping/>
   </p:clrMapOvr>
   <p:transition spd="med"/>
+  <p:timing>
+    <p:tnLst>
+      <p:par>
+        <p:cTn id="1" dur="indefinite" restart="never" nodeType="tmRoot"/>
+      </p:par>
+    </p:tnLst>
+  </p:timing>
 </p:sld>
 </file>
 
-<file path=ppt/slides/slide17.xml><?xml version="1.0" encoding="utf-8"?>
+<file path=ppt/slides/slide18.xml><?xml version="1.0" encoding="utf-8"?>
 <p:sld xmlns:a="http://schemas.openxmlformats.org/drawingml/2006/main" xmlns:r="http://schemas.openxmlformats.org/officeDocument/2006/relationships" xmlns:p="http://schemas.openxmlformats.org/presentationml/2006/main">
   <p:cSld>
     <p:spTree>
@@ -7641,10 +7930,17 @@
     <a:masterClrMapping/>
   </p:clrMapOvr>
   <p:transition spd="med"/>
+  <p:timing>
+    <p:tnLst>
+      <p:par>
+        <p:cTn id="1" dur="indefinite" restart="never" nodeType="tmRoot"/>
+      </p:par>
+    </p:tnLst>
+  </p:timing>
 </p:sld>
 </file>
 
-<file path=ppt/slides/slide18.xml><?xml version="1.0" encoding="utf-8"?>
+<file path=ppt/slides/slide19.xml><?xml version="1.0" encoding="utf-8"?>
 <p:sld xmlns:a="http://schemas.openxmlformats.org/drawingml/2006/main" xmlns:r="http://schemas.openxmlformats.org/officeDocument/2006/relationships" xmlns:p="http://schemas.openxmlformats.org/presentationml/2006/main">
   <p:cSld>
     <p:spTree>
@@ -7748,10 +8044,170 @@
     <a:masterClrMapping/>
   </p:clrMapOvr>
   <p:transition spd="med"/>
+  <p:timing>
+    <p:tnLst>
+      <p:par>
+        <p:cTn id="1" dur="indefinite" restart="never" nodeType="tmRoot"/>
+      </p:par>
+    </p:tnLst>
+  </p:timing>
 </p:sld>
 </file>
 
-<file path=ppt/slides/slide19.xml><?xml version="1.0" encoding="utf-8"?>
+<file path=ppt/slides/slide2.xml><?xml version="1.0" encoding="utf-8"?>
+<p:sld xmlns:a="http://schemas.openxmlformats.org/drawingml/2006/main" xmlns:r="http://schemas.openxmlformats.org/officeDocument/2006/relationships" xmlns:p="http://schemas.openxmlformats.org/presentationml/2006/main">
+  <p:cSld>
+    <p:spTree>
+      <p:nvGrpSpPr>
+        <p:cNvPr id="1" name=""/>
+        <p:cNvGrpSpPr/>
+        <p:nvPr/>
+      </p:nvGrpSpPr>
+      <p:grpSpPr>
+        <a:xfrm>
+          <a:off x="0" y="0"/>
+          <a:ext cx="0" cy="0"/>
+          <a:chOff x="0" y="0"/>
+          <a:chExt cx="0" cy="0"/>
+        </a:xfrm>
+      </p:grpSpPr>
+      <p:sp>
+        <p:nvSpPr>
+          <p:cNvPr id="2" name="Titel 1"/>
+          <p:cNvSpPr>
+            <a:spLocks noGrp="1"/>
+          </p:cNvSpPr>
+          <p:nvPr>
+            <p:ph type="title"/>
+          </p:nvPr>
+        </p:nvSpPr>
+        <p:spPr/>
+        <p:txBody>
+          <a:bodyPr/>
+          <a:lstStyle/>
+          <a:p>
+            <a:r>
+              <a:rPr lang="de-DE" smtClean="0"/>
+              <a:t>Neue Musik entdecken?</a:t>
+            </a:r>
+            <a:endParaRPr lang="de-DE"/>
+          </a:p>
+        </p:txBody>
+      </p:sp>
+      <p:pic>
+        <p:nvPicPr>
+          <p:cNvPr id="16386" name="Picture 2" descr="Digging at Revival Records"/>
+          <p:cNvPicPr>
+            <a:picLocks noGrp="1" noChangeAspect="1" noChangeArrowheads="1"/>
+          </p:cNvPicPr>
+          <p:nvPr>
+            <p:ph idx="1"/>
+          </p:nvPr>
+        </p:nvPicPr>
+        <p:blipFill>
+          <a:blip r:embed="rId2">
+            <a:extLst>
+              <a:ext uri="{28A0092B-C50C-407E-A947-70E740481C1C}">
+                <a14:useLocalDpi xmlns:a14="http://schemas.microsoft.com/office/drawing/2010/main" val="0"/>
+              </a:ext>
+            </a:extLst>
+          </a:blip>
+          <a:srcRect/>
+          <a:stretch>
+            <a:fillRect/>
+          </a:stretch>
+        </p:blipFill>
+        <p:spPr bwMode="auto">
+          <a:xfrm>
+            <a:off x="360102" y="1075660"/>
+            <a:ext cx="6595400" cy="3391920"/>
+          </a:xfrm>
+          <a:prstGeom prst="rect">
+            <a:avLst/>
+          </a:prstGeom>
+          <a:noFill/>
+          <a:extLst>
+            <a:ext uri="{909E8E84-426E-40DD-AFC4-6F175D3DCCD1}">
+              <a14:hiddenFill xmlns:a14="http://schemas.microsoft.com/office/drawing/2010/main">
+                <a:solidFill>
+                  <a:srgbClr val="FFFFFF"/>
+                </a:solidFill>
+              </a14:hiddenFill>
+            </a:ext>
+          </a:extLst>
+        </p:spPr>
+      </p:pic>
+      <p:sp>
+        <p:nvSpPr>
+          <p:cNvPr id="3" name="Fußzeilenplatzhalter 2"/>
+          <p:cNvSpPr>
+            <a:spLocks noGrp="1"/>
+          </p:cNvSpPr>
+          <p:nvPr>
+            <p:ph type="ftr" sz="quarter" idx="11"/>
+          </p:nvPr>
+        </p:nvSpPr>
+        <p:spPr/>
+        <p:txBody>
+          <a:bodyPr/>
+          <a:lstStyle/>
+          <a:p>
+            <a:pPr>
+              <a:defRPr/>
+            </a:pPr>
+            <a:r>
+              <a:rPr lang="de-DE" smtClean="0"/>
+              <a:t>MusicMashup Abschlusspräsentation, 05.02.2015</a:t>
+            </a:r>
+            <a:endParaRPr lang="de-DE"/>
+          </a:p>
+        </p:txBody>
+      </p:sp>
+      <p:sp>
+        <p:nvSpPr>
+          <p:cNvPr id="4" name="Foliennummernplatzhalter 3"/>
+          <p:cNvSpPr>
+            <a:spLocks noGrp="1"/>
+          </p:cNvSpPr>
+          <p:nvPr>
+            <p:ph type="sldNum" sz="quarter" idx="12"/>
+          </p:nvPr>
+        </p:nvSpPr>
+        <p:spPr/>
+        <p:txBody>
+          <a:bodyPr/>
+          <a:lstStyle/>
+          <a:p>
+            <a:fld id="{7CEB0A27-9D48-467E-B5E9-6890409EA776}" type="slidenum">
+              <a:rPr lang="de-DE" altLang="de-DE" smtClean="0"/>
+              <a:pPr/>
+              <a:t>2</a:t>
+            </a:fld>
+            <a:endParaRPr lang="de-DE" altLang="de-DE"/>
+          </a:p>
+        </p:txBody>
+      </p:sp>
+    </p:spTree>
+    <p:extLst>
+      <p:ext uri="{BB962C8B-B14F-4D97-AF65-F5344CB8AC3E}">
+        <p14:creationId xmlns:p14="http://schemas.microsoft.com/office/powerpoint/2010/main" val="3697073508"/>
+      </p:ext>
+    </p:extLst>
+  </p:cSld>
+  <p:clrMapOvr>
+    <a:masterClrMapping/>
+  </p:clrMapOvr>
+  <p:timing>
+    <p:tnLst>
+      <p:par>
+        <p:cTn id="1" dur="indefinite" restart="never" nodeType="tmRoot"/>
+      </p:par>
+    </p:tnLst>
+  </p:timing>
+</p:sld>
+</file>
+
+<file path=ppt/slides/slide20.xml><?xml version="1.0" encoding="utf-8"?>
 <p:sld xmlns:a="http://schemas.openxmlformats.org/drawingml/2006/main" xmlns:r="http://schemas.openxmlformats.org/officeDocument/2006/relationships" xmlns:p="http://schemas.openxmlformats.org/presentationml/2006/main">
   <p:cSld>
     <p:spTree>
@@ -7870,102 +8326,13 @@
   <p:clrMapOvr>
     <a:masterClrMapping/>
   </p:clrMapOvr>
-</p:sld>
-</file>
-
-<file path=ppt/slides/slide2.xml><?xml version="1.0" encoding="utf-8"?>
-<p:sld xmlns:a="http://schemas.openxmlformats.org/drawingml/2006/main" xmlns:r="http://schemas.openxmlformats.org/officeDocument/2006/relationships" xmlns:p="http://schemas.openxmlformats.org/presentationml/2006/main">
-  <p:cSld>
-    <p:spTree>
-      <p:nvGrpSpPr>
-        <p:cNvPr id="1" name=""/>
-        <p:cNvGrpSpPr/>
-        <p:nvPr/>
-      </p:nvGrpSpPr>
-      <p:grpSpPr>
-        <a:xfrm>
-          <a:off x="0" y="0"/>
-          <a:ext cx="0" cy="0"/>
-          <a:chOff x="0" y="0"/>
-          <a:chExt cx="0" cy="0"/>
-        </a:xfrm>
-      </p:grpSpPr>
-      <p:sp>
-        <p:nvSpPr>
-          <p:cNvPr id="2" name="Titel 1"/>
-          <p:cNvSpPr>
-            <a:spLocks noGrp="1"/>
-          </p:cNvSpPr>
-          <p:nvPr>
-            <p:ph type="title"/>
-          </p:nvPr>
-        </p:nvSpPr>
-        <p:spPr/>
-        <p:txBody>
-          <a:bodyPr/>
-          <a:lstStyle/>
-          <a:p>
-            <a:r>
-              <a:rPr lang="de-DE" smtClean="0"/>
-              <a:t>Neue Musik entdecken?</a:t>
-            </a:r>
-            <a:endParaRPr lang="de-DE"/>
-          </a:p>
-        </p:txBody>
-      </p:sp>
-      <p:pic>
-        <p:nvPicPr>
-          <p:cNvPr id="16386" name="Picture 2" descr="Digging at Revival Records"/>
-          <p:cNvPicPr>
-            <a:picLocks noGrp="1" noChangeAspect="1" noChangeArrowheads="1"/>
-          </p:cNvPicPr>
-          <p:nvPr>
-            <p:ph idx="1"/>
-          </p:nvPr>
-        </p:nvPicPr>
-        <p:blipFill>
-          <a:blip r:embed="rId2">
-            <a:extLst>
-              <a:ext uri="{28A0092B-C50C-407E-A947-70E740481C1C}">
-                <a14:useLocalDpi xmlns:a14="http://schemas.microsoft.com/office/drawing/2010/main" val="0"/>
-              </a:ext>
-            </a:extLst>
-          </a:blip>
-          <a:srcRect/>
-          <a:stretch>
-            <a:fillRect/>
-          </a:stretch>
-        </p:blipFill>
-        <p:spPr bwMode="auto">
-          <a:xfrm>
-            <a:off x="360102" y="1075660"/>
-            <a:ext cx="6595400" cy="3391920"/>
-          </a:xfrm>
-          <a:prstGeom prst="rect">
-            <a:avLst/>
-          </a:prstGeom>
-          <a:noFill/>
-          <a:extLst>
-            <a:ext uri="{909E8E84-426E-40DD-AFC4-6F175D3DCCD1}">
-              <a14:hiddenFill xmlns:a14="http://schemas.microsoft.com/office/drawing/2010/main">
-                <a:solidFill>
-                  <a:srgbClr val="FFFFFF"/>
-                </a:solidFill>
-              </a14:hiddenFill>
-            </a:ext>
-          </a:extLst>
-        </p:spPr>
-      </p:pic>
-    </p:spTree>
-    <p:extLst>
-      <p:ext uri="{BB962C8B-B14F-4D97-AF65-F5344CB8AC3E}">
-        <p14:creationId xmlns:p14="http://schemas.microsoft.com/office/powerpoint/2010/main" val="3697073508"/>
-      </p:ext>
-    </p:extLst>
-  </p:cSld>
-  <p:clrMapOvr>
-    <a:masterClrMapping/>
-  </p:clrMapOvr>
+  <p:timing>
+    <p:tnLst>
+      <p:par>
+        <p:cTn id="1" dur="indefinite" restart="never" nodeType="tmRoot"/>
+      </p:par>
+    </p:tnLst>
+  </p:timing>
 </p:sld>
 </file>
 
@@ -8001,18 +8368,22 @@
           <a:bodyPr/>
           <a:lstStyle/>
           <a:p>
+            <a:r>
+              <a:rPr lang="de-DE" smtClean="0"/>
+              <a:t>Neue Musik entdecken?</a:t>
+            </a:r>
             <a:endParaRPr lang="de-DE"/>
           </a:p>
         </p:txBody>
       </p:sp>
       <p:sp>
         <p:nvSpPr>
-          <p:cNvPr id="3" name="Inhaltsplatzhalter 2"/>
+          <p:cNvPr id="3" name="Fußzeilenplatzhalter 2"/>
           <p:cNvSpPr>
             <a:spLocks noGrp="1"/>
           </p:cNvSpPr>
           <p:nvPr>
-            <p:ph idx="1"/>
+            <p:ph type="ftr" sz="quarter" idx="11"/>
           </p:nvPr>
         </p:nvSpPr>
         <p:spPr/>
@@ -8020,24 +8391,263 @@
           <a:bodyPr/>
           <a:lstStyle/>
           <a:p>
+            <a:pPr>
+              <a:defRPr/>
+            </a:pPr>
             <a:r>
               <a:rPr lang="de-DE" smtClean="0"/>
-              <a:t>Hier pair programming bild</a:t>
+              <a:t>MusicMashup Abschlusspräsentation, 05.02.2015</a:t>
             </a:r>
             <a:endParaRPr lang="de-DE"/>
           </a:p>
         </p:txBody>
       </p:sp>
+      <p:sp>
+        <p:nvSpPr>
+          <p:cNvPr id="4" name="Foliennummernplatzhalter 3"/>
+          <p:cNvSpPr>
+            <a:spLocks noGrp="1"/>
+          </p:cNvSpPr>
+          <p:nvPr>
+            <p:ph type="sldNum" sz="quarter" idx="12"/>
+          </p:nvPr>
+        </p:nvSpPr>
+        <p:spPr/>
+        <p:txBody>
+          <a:bodyPr/>
+          <a:lstStyle/>
+          <a:p>
+            <a:fld id="{7CEB0A27-9D48-467E-B5E9-6890409EA776}" type="slidenum">
+              <a:rPr lang="de-DE" altLang="de-DE" smtClean="0"/>
+              <a:pPr/>
+              <a:t>3</a:t>
+            </a:fld>
+            <a:endParaRPr lang="de-DE" altLang="de-DE"/>
+          </a:p>
+        </p:txBody>
+      </p:sp>
+      <p:pic>
+        <p:nvPicPr>
+          <p:cNvPr id="1026" name="Picture 2" descr="Spotify"/>
+          <p:cNvPicPr>
+            <a:picLocks noGrp="1" noChangeAspect="1" noChangeArrowheads="1"/>
+          </p:cNvPicPr>
+          <p:nvPr>
+            <p:ph idx="1"/>
+          </p:nvPr>
+        </p:nvPicPr>
+        <p:blipFill>
+          <a:blip r:embed="rId2">
+            <a:extLst>
+              <a:ext uri="{28A0092B-C50C-407E-A947-70E740481C1C}">
+                <a14:useLocalDpi xmlns:a14="http://schemas.microsoft.com/office/drawing/2010/main" val="0"/>
+              </a:ext>
+            </a:extLst>
+          </a:blip>
+          <a:srcRect/>
+          <a:stretch>
+            <a:fillRect/>
+          </a:stretch>
+        </p:blipFill>
+        <p:spPr bwMode="auto">
+          <a:xfrm>
+            <a:off x="2710184" y="3214171"/>
+            <a:ext cx="2421726" cy="1556824"/>
+          </a:xfrm>
+          <a:prstGeom prst="rect">
+            <a:avLst/>
+          </a:prstGeom>
+          <a:noFill/>
+          <a:extLst>
+            <a:ext uri="{909E8E84-426E-40DD-AFC4-6F175D3DCCD1}">
+              <a14:hiddenFill xmlns:a14="http://schemas.microsoft.com/office/drawing/2010/main">
+                <a:solidFill>
+                  <a:srgbClr val="FFFFFF"/>
+                </a:solidFill>
+              </a14:hiddenFill>
+            </a:ext>
+          </a:extLst>
+        </p:spPr>
+      </p:pic>
+      <p:sp>
+        <p:nvSpPr>
+          <p:cNvPr id="6" name="AutoShape 4" descr="data:image/png;base64,iVBORw0KGgoAAAANSUhEUgAAAYgAAACBCAMAAADt5d1oAAAAn1BMVEX////7rhb7rAAAAAD7qgD7qAD7rQz94K77sxr8y3n+7tL7xF7///z//fj8z4b/+/X7ukj9z478yW/++Oj+5ML7vlX7vE78wV37uTz/9uz8z4Campqtra380Ib93bL+683+9eL+7tv93K/8xnX+8tr92qD7tCr804796sb81ZT93rb7tDP+6tH92qT95br7uEL8xWj91qD8u1PZ2dn92KaqbS1aAAANVElEQVR4nO2diVLjOhaGbV1ZZHeaQAiZScfQEJYAoe/0+z/bWIs3nV+O4xDaFPqrq6CRbcn6rOUcbUHg5eXl5eXl5eXl5eXl5fXVtATqr/92qr6hBKeKzv52qr6heiEV9yA+Xx5ER+RBdEQeREfkQXyORr9/AL0WF3gQn6PRHHVPL4sLPIjP0ehS0IwWw+ICD+Jz5EF0RB5ER+RBdEQeREe0F4R3+n2O9oJYeTf4p2gviC+kUZLqxHHEaRSz4x6B7z8xiFkycgd9VCTyYbfLBYuU2Pb87O4DH53r7vV9w3UcYjp5a4NjdDtUqWTD12s76HQgHvsbHektgbHu92QQv3w98utSGp8tIs7z9xCMR+FTYl10tlxNpFbqn/xlWeAaLK2wyfKtevvsqRdxVsSRNpSLM/SRnS3Nkyal+Fb6ynvGmb4//WU1rty3v42YVJ8ptTRtRLKkYasnHcHjJjLpTiO9r8SZpPkmsvfpx03z26XXDafvwNl7lfEqqulyvNLAp/LN10tG4xA8fKKJPyePShXKkNmOV1K4SSo37gPBanpNAxTpRiWuX0k4n5dy5Z5VgraDFplfaDAFGBR/UcF/xu0LeBH+RAPLJeKsR8INisWjnZ4+A9dt0oD1xgoRvaxIXq/X64spAjF/kUGqGquzIwYo0qu0GMZXVsrZNq8H+laQCMnLHKAqVSuZV6WK+CUiwas8cEkyOrrJA+O+A7VMPHtoAmKblocNLVIb83neymoaxiFUk3TWFsT4nbwY25hMmZAgEbYvExOSvZV0bpP8yhuSVvYrDzyngfmdyRwXhywOqz2FIKZBsAB/51e67fhZG4MpnW1A0A8sfbOduuUeBIlttd1qrodaDhJ/XhCTDQl8z59zRV4k+1iD2aI+l2wSDhAP8CkmI08CIv3O3nCkshAPYAHk/XYcnvZwkCQSc228sKMW85z/FQnbmWZ4dLmHQ5r693KaIIhh4mhkFvHpQExiWhsqRXcgN8wDW/ViH/fmkewmZLn9L8nsRdaEjElDKUylAWpS8GLlHhYCwfq07jPJezsdiB+4FKYvdwl6J+aBq+BwxVt3Ow0e/W4nNm8rg3hnPylrP5qwTuModTcQiBA1EDqeq5OBEHNSGWeKXt1xtQCxapRJITdGD224RGKeRHs0fKlDHIXbflCpkYMg3Heqj+EkIMKapLvjiw7vws5qE19Kz1xfT7sJPOuizsi3Y2wM3NqBFytMksNAhPzlZCBaiVcM2UZqWCBy24xmavRiHnVHPh5zT7MCIT/s3GI5FMR9t0CwSs+jiZq1EFKmSNxQiy6znqmNESnTZrC3V5Y/Ki8Sh4LodwuEcgIcJNyMCkSHK2MiIYnNcw9Y3eoLR/YQjkJMMwegCwS8TXbPTgnCEWldEDsUxDkyGsPdFhmwqt4DLXLWoaIgem73znaKKiyWeQcwCCF2O0xwd0IQYrp1PTkNwvdEhxrXIDfEPAli0HkWPXlDTIwFdm6eRRyC2tC6AzUTf7gOZnPg7c18Tg4Q61HwiACqDteJQPCfQQwLtboR5VSorL2DhEx03QsCCY6UwUAMCd2JhyAuZU0D3DGa6QAE7OpAcDWHFVlRYhtLpx/nDqdf4ew+GIT2V6Db0g9NfvfI33tw//UC5IVxwNNE6fSSAPGveRj5bLQ9B56kC9E16igkNSC0xXIDP8E06OY2FXI6iN2zDEpagRAzZ3qYYvSK0sOtEbF9sp3pYfYZB79pCJ/IAFIUc4cS6QmrG0agKuF/5PVoNC2zG3HVpFJGO2dSWVVwzLwmbFmr2v4PzG3VTXlEncJDp0qBappp/xAdAUpLIgzIfRxD+z1U8z5G7f6tuuEXKHVPbhCmT0jtRikD4qgJZtjpFziyI/vsEwiiOpq6V6jjomN+A49XfTL6AfQSF4gzRzpNwQW5neWZazwigGNDadLWpwKhvTTQORDpSD8ARIw6rxoEKnCRzPFrEsDM10iKl0ooegUDAlj1chSuWyB0dqxRbmt79SNA3B0IQnYFrqkjw/g4SPchkmYEGsNygwjD2A1CrzehTt7wlCD6zuwII51WaP0eBmJ9GAiVYOoU4Rc6g0gAkwlF/ewaEOLOCcIYLHTYIzwlCN1k4hIRux/54yAQqNqoA/Ebvqru3lMQYiM7HBPUWLtBmBztDAgztgVb5I8DgWxRAwJ56nT/lfR1jI8jsROkPUdoVM0MASEQpnh1DcQMNgQfBgL1jg0IFLN27pJhT5NBBIS6fEQGsmUyB24Qz18HRE+DQOk5EMTtYSAcLgs2xK+hE0OnduRmGwTxpxUIU5D+CghgjB0KAjWkdSB2MlGkYTHdSgpC9hzgRIc6EKsvB+IDSgTwcNSCWMhEkdZD/5n6rXQn61AQDx6EeV03iLAnu0ExAbG9hiCU2YFB6DYCFsihB2Fe99eNFBy60yBIvNrHQdoOZYhDEOxWxYFnkXkQ2fuqGbvQ16xAjOlkvzsMYuQCEeqVKtDr7EE0kAJB+0G670iGI0TgBOGWB9FEGgQxJCKVC7blpr3mHsTpQJCxSv0idhboIVQP4nQgyCCJHs2x7RrtEPEgTgeC+AO1q9jOceUi9CBOCIJ4IvVAge181a/nQbQHIdzS06YICOnjIOs59IwSBwhnDNyDyKOezp0aw5dR45vX9pi+nmPlAOGMYdr3IIyi2Wjskr7NHqtUU6ES8pzYDaIXOKMYeRBGkb2tAhGZ7BfOwKR8vWrGBWJfyjyIBiB+EBs6rYXW9lvozPYgmqglCDLJkKXt8qNtWOv1FB5EE7UEQYaGZDbYXnAzD8WDaKKWIMjQEAKh7TkPopFagiCT/aSPw66vzPxWD6KJWoIgFp1cQ2APt5kpMx5EE7UFQSy6Ic06MxzqQTRRWxC2o1UOPdjGhdmPwoNoorYgyBjQBnjB9aUeRBPVgYgnQGb1LVlOJIgXXPQagFiDKO49CCMDYhZxpmR+pL9wZpxNZM4sm9nrU82ss3oQZ1H+8CwafulBGGUgQFjPgCBzbVhirxLINkGoBwFWqng3eKYGIMgCFzYY2U3EgwdxehBkyRd/i+1O07MHcXoQAZlv/Gzv0ZHljAdxUhBkfPrPnfUS2a4aHsRJQQzJ1BmyHC/xID4BhD2hnr2TjlTsQTQX2OehGQh7qZGYW17wfOcoD6KJ4A4TTUCQtRCbZwuEsefwGjoP4qNAkAHq0JoQm29q50E0EVrMWANCbLKd3sjcGb5i1v+zOOiUj7AOhNmh9JuBwFt9uEHsMhBjErbA74YXvNeB+JaLGeH6rBoQ+d6HxJAgCbnIQcA1YG4QT98RBNqLowZEaTdTtLa4cml+ohjcP7sGRLsF718cBNx93uxCBEDoFQ9Kru3Sc+WbC8Kd1pgbRLstIL44iACC0KP+YOvD0kbLrn3is+QXexrjDXacT2GPR4EYdwrE//6DhECgPajM1jGg/ShtVPe8B8Q2vxK+ggGB2o/kKBCwk6ZX8/0FEP/9BwmBQN+P2fMJdG2j4ihJakhUkz/Nr0R7+ukl2CjXRBgcBwLsE1jZILqjIFANY3ryoBXgxYlx+EyXXKyoDEYonZEqdeCskozgdwOB+q9mv1HQey2VcLzVZJGOZXEpmTseZqUO7AlVt8tlaxDlczU6CiIGj9ebJYKt+PL9omVu1BsSZlMzJbRfpm5DQMXIavZ9PQJEceZPR0FAe0DMB8krSFNlv2u4EXNx6UVxpT2IqhO6Su7Q7r/b0ZEg4IaNbJl0HQT0NgmBTm2pnolANnmtpuOldCn0NvFQgD/nLqqPBZHGtp0P5zcdBgE3UcUy07uNHPvHZyoXHmhJ7LmvNQiXgSOEUEe/dBXEvgwtJ6lyyi7azrW4dFM5iK3XFHbhQ2kNAhryWt0GQQ8Gcsg6v+ii7jPP923fmznWffkpn61B1BS/boNouvuA3sS10EtdG5GfZKCFNsxH4udFqtqCQONZRh0HMWtWcZQ7pFJkaKgs+9Cphuef5SfaHQGi5vSqjoMIzpq0pezS5ldnSJTtOaVhExJRiXVrEDWncXYdRJPKSZQ+Vi3ouciTYZ+H5zp4tXJTmXV7EOhII63OgxhP95Jg9KQWOCkgSwa5fFBzhJh54015gUx7EO7vqvMggvG+miMCB7XUDQ2VDnbPtEb2W/mFWeWcqiNAzFzHi3YfRDA6r+2M2g21kut0YaniYPdCN7s62qxXPS/sCBDOs4K/AIi0q+8+ipaH8AQp6Bwx2qCDteM+PptMxbGz0B0DInhlMKIvASJIzgXeRYtf4ePK6TmMxT1Vey7XeodRcPZgH2R4FIjgcYsi+hog0mT00xyxUsHZ1HWgGj6FTIldjhw3vc2ZnUWCi3d6jCFqcXkNiKgCIogfNnLJH5N7ohXXKBAo1zIQIFLmBiHEaUAEwfXPIZNnGHIm9M/Nau28eNYrFiJa4jWHCN/dT9WjuTBxTO8TcFkfPNyAiHcgzAIhc/X56Xy43W4XYX6NAoFuzkGASC8NCBDENAiYnqNAqIx6e10uh/Pz5eTnI66TjtZ48Pa7v7y87Pef3h4PPVzVy8vLy8vLy8vLy8vLy+uv6/9h6msQ5CBjmgAAAABJRU5ErkJggg=="/>
+          <p:cNvSpPr>
+            <a:spLocks noChangeAspect="1" noChangeArrowheads="1"/>
+          </p:cNvSpPr>
+          <p:nvPr/>
+        </p:nvSpPr>
+        <p:spPr bwMode="auto">
+          <a:xfrm>
+            <a:off x="155575" y="-144463"/>
+            <a:ext cx="304800" cy="304801"/>
+          </a:xfrm>
+          <a:prstGeom prst="rect">
+            <a:avLst/>
+          </a:prstGeom>
+          <a:noFill/>
+          <a:extLst>
+            <a:ext uri="{909E8E84-426E-40DD-AFC4-6F175D3DCCD1}">
+              <a14:hiddenFill xmlns:a14="http://schemas.microsoft.com/office/drawing/2010/main">
+                <a:solidFill>
+                  <a:srgbClr val="FFFFFF"/>
+                </a:solidFill>
+              </a14:hiddenFill>
+            </a:ext>
+          </a:extLst>
+        </p:spPr>
+        <p:txBody>
+          <a:bodyPr vert="horz" wrap="square" lIns="91440" tIns="45720" rIns="91440" bIns="45720" numCol="1" anchor="t" anchorCtr="0" compatLnSpc="1">
+            <a:prstTxWarp prst="textNoShape">
+              <a:avLst/>
+            </a:prstTxWarp>
+          </a:bodyPr>
+          <a:lstStyle/>
+          <a:p>
+            <a:endParaRPr lang="de-DE"/>
+          </a:p>
+        </p:txBody>
+      </p:sp>
+      <p:pic>
+        <p:nvPicPr>
+          <p:cNvPr id="1032" name="Picture 8" descr="Datei:Eventim-logo.svg"/>
+          <p:cNvPicPr>
+            <a:picLocks noChangeAspect="1" noChangeArrowheads="1"/>
+          </p:cNvPicPr>
+          <p:nvPr/>
+        </p:nvPicPr>
+        <p:blipFill>
+          <a:blip r:embed="rId3">
+            <a:extLst>
+              <a:ext uri="{28A0092B-C50C-407E-A947-70E740481C1C}">
+                <a14:useLocalDpi xmlns:a14="http://schemas.microsoft.com/office/drawing/2010/main" val="0"/>
+              </a:ext>
+            </a:extLst>
+          </a:blip>
+          <a:srcRect/>
+          <a:stretch>
+            <a:fillRect/>
+          </a:stretch>
+        </p:blipFill>
+        <p:spPr bwMode="auto">
+          <a:xfrm>
+            <a:off x="3921047" y="1267870"/>
+            <a:ext cx="2611635" cy="857657"/>
+          </a:xfrm>
+          <a:prstGeom prst="rect">
+            <a:avLst/>
+          </a:prstGeom>
+          <a:noFill/>
+          <a:extLst>
+            <a:ext uri="{909E8E84-426E-40DD-AFC4-6F175D3DCCD1}">
+              <a14:hiddenFill xmlns:a14="http://schemas.microsoft.com/office/drawing/2010/main">
+                <a:solidFill>
+                  <a:srgbClr val="FFFFFF"/>
+                </a:solidFill>
+              </a14:hiddenFill>
+            </a:ext>
+          </a:extLst>
+        </p:spPr>
+      </p:pic>
+      <p:pic>
+        <p:nvPicPr>
+          <p:cNvPr id="1034" name="Picture 10" descr="http://upload.wikimedia.org/wikipedia/commons/d/de/Wikipedia_Logo_1.0.png"/>
+          <p:cNvPicPr>
+            <a:picLocks noChangeAspect="1" noChangeArrowheads="1"/>
+          </p:cNvPicPr>
+          <p:nvPr/>
+        </p:nvPicPr>
+        <p:blipFill>
+          <a:blip r:embed="rId4">
+            <a:extLst>
+              <a:ext uri="{28A0092B-C50C-407E-A947-70E740481C1C}">
+                <a14:useLocalDpi xmlns:a14="http://schemas.microsoft.com/office/drawing/2010/main" val="0"/>
+              </a:ext>
+            </a:extLst>
+          </a:blip>
+          <a:srcRect/>
+          <a:stretch>
+            <a:fillRect/>
+          </a:stretch>
+        </p:blipFill>
+        <p:spPr bwMode="auto">
+          <a:xfrm>
+            <a:off x="1155883" y="1605507"/>
+            <a:ext cx="1713722" cy="1713722"/>
+          </a:xfrm>
+          <a:prstGeom prst="rect">
+            <a:avLst/>
+          </a:prstGeom>
+          <a:noFill/>
+          <a:extLst>
+            <a:ext uri="{909E8E84-426E-40DD-AFC4-6F175D3DCCD1}">
+              <a14:hiddenFill xmlns:a14="http://schemas.microsoft.com/office/drawing/2010/main">
+                <a:solidFill>
+                  <a:srgbClr val="FFFFFF"/>
+                </a:solidFill>
+              </a14:hiddenFill>
+            </a:ext>
+          </a:extLst>
+        </p:spPr>
+      </p:pic>
+      <p:pic>
+        <p:nvPicPr>
+          <p:cNvPr id="1036" name="Picture 12" descr="http://www.practitioner-nlp.de/wp-content/uploads/2012/02/Hypnose_3251.jpg"/>
+          <p:cNvPicPr>
+            <a:picLocks noChangeAspect="1" noChangeArrowheads="1"/>
+          </p:cNvPicPr>
+          <p:nvPr/>
+        </p:nvPicPr>
+        <p:blipFill>
+          <a:blip r:embed="rId5">
+            <a:extLst>
+              <a:ext uri="{28A0092B-C50C-407E-A947-70E740481C1C}">
+                <a14:useLocalDpi xmlns:a14="http://schemas.microsoft.com/office/drawing/2010/main" val="0"/>
+              </a:ext>
+            </a:extLst>
+          </a:blip>
+          <a:srcRect/>
+          <a:stretch>
+            <a:fillRect/>
+          </a:stretch>
+        </p:blipFill>
+        <p:spPr bwMode="auto">
+          <a:xfrm>
+            <a:off x="4939893" y="2462368"/>
+            <a:ext cx="1683858" cy="1302985"/>
+          </a:xfrm>
+          <a:prstGeom prst="rect">
+            <a:avLst/>
+          </a:prstGeom>
+          <a:noFill/>
+          <a:extLst>
+            <a:ext uri="{909E8E84-426E-40DD-AFC4-6F175D3DCCD1}">
+              <a14:hiddenFill xmlns:a14="http://schemas.microsoft.com/office/drawing/2010/main">
+                <a:solidFill>
+                  <a:srgbClr val="FFFFFF"/>
+                </a:solidFill>
+              </a14:hiddenFill>
+            </a:ext>
+          </a:extLst>
+        </p:spPr>
+      </p:pic>
     </p:spTree>
     <p:extLst>
       <p:ext uri="{BB962C8B-B14F-4D97-AF65-F5344CB8AC3E}">
-        <p14:creationId xmlns:p14="http://schemas.microsoft.com/office/powerpoint/2010/main" val="380007629"/>
+        <p14:creationId xmlns:p14="http://schemas.microsoft.com/office/powerpoint/2010/main" val="1690478913"/>
       </p:ext>
     </p:extLst>
   </p:cSld>
   <p:clrMapOvr>
     <a:masterClrMapping/>
   </p:clrMapOvr>
+  <p:timing>
+    <p:tnLst>
+      <p:par>
+        <p:cTn id="1" dur="indefinite" restart="never" nodeType="tmRoot"/>
+      </p:par>
+    </p:tnLst>
+  </p:timing>
 </p:sld>
 </file>
 
@@ -8075,6 +8685,571 @@
           <a:p>
             <a:r>
               <a:rPr lang="de-DE" smtClean="0"/>
+              <a:t>Neue Musik entdecken!</a:t>
+            </a:r>
+            <a:endParaRPr lang="de-DE"/>
+          </a:p>
+        </p:txBody>
+      </p:sp>
+      <p:pic>
+        <p:nvPicPr>
+          <p:cNvPr id="4" name="Inhaltsplatzhalter 3"/>
+          <p:cNvPicPr>
+            <a:picLocks noGrp="1" noChangeAspect="1"/>
+          </p:cNvPicPr>
+          <p:nvPr>
+            <p:ph idx="1"/>
+          </p:nvPr>
+        </p:nvPicPr>
+        <p:blipFill>
+          <a:blip r:embed="rId2">
+            <a:extLst>
+              <a:ext uri="{28A0092B-C50C-407E-A947-70E740481C1C}">
+                <a14:useLocalDpi xmlns:a14="http://schemas.microsoft.com/office/drawing/2010/main" val="0"/>
+              </a:ext>
+            </a:extLst>
+          </a:blip>
+          <a:stretch>
+            <a:fillRect/>
+          </a:stretch>
+        </p:blipFill>
+        <p:spPr>
+          <a:xfrm>
+            <a:off x="508001" y="1233375"/>
+            <a:ext cx="6117569" cy="3442291"/>
+          </a:xfrm>
+        </p:spPr>
+      </p:pic>
+      <p:sp>
+        <p:nvSpPr>
+          <p:cNvPr id="7" name="Rechteck 6"/>
+          <p:cNvSpPr/>
+          <p:nvPr/>
+        </p:nvSpPr>
+        <p:spPr>
+          <a:xfrm>
+            <a:off x="3566785" y="1052623"/>
+            <a:ext cx="2536303" cy="542261"/>
+          </a:xfrm>
+          <a:prstGeom prst="rect">
+            <a:avLst/>
+          </a:prstGeom>
+        </p:spPr>
+        <p:style>
+          <a:lnRef idx="2">
+            <a:schemeClr val="accent1">
+              <a:shade val="50000"/>
+            </a:schemeClr>
+          </a:lnRef>
+          <a:fillRef idx="1">
+            <a:schemeClr val="accent1"/>
+          </a:fillRef>
+          <a:effectRef idx="0">
+            <a:schemeClr val="accent1"/>
+          </a:effectRef>
+          <a:fontRef idx="minor">
+            <a:schemeClr val="lt1"/>
+          </a:fontRef>
+        </p:style>
+        <p:txBody>
+          <a:bodyPr rtlCol="0" anchor="ctr"/>
+          <a:lstStyle/>
+          <a:p>
+            <a:pPr algn="ctr"/>
+            <a:r>
+              <a:rPr lang="de-DE" smtClean="0"/>
+              <a:t>Informationen</a:t>
+            </a:r>
+            <a:endParaRPr lang="de-DE"/>
+          </a:p>
+        </p:txBody>
+      </p:sp>
+      <p:sp>
+        <p:nvSpPr>
+          <p:cNvPr id="8" name="Rechteck 7"/>
+          <p:cNvSpPr/>
+          <p:nvPr/>
+        </p:nvSpPr>
+        <p:spPr>
+          <a:xfrm>
+            <a:off x="4591055" y="3405963"/>
+            <a:ext cx="2536303" cy="542261"/>
+          </a:xfrm>
+          <a:prstGeom prst="rect">
+            <a:avLst/>
+          </a:prstGeom>
+        </p:spPr>
+        <p:style>
+          <a:lnRef idx="2">
+            <a:schemeClr val="accent1">
+              <a:shade val="50000"/>
+            </a:schemeClr>
+          </a:lnRef>
+          <a:fillRef idx="1">
+            <a:schemeClr val="accent1"/>
+          </a:fillRef>
+          <a:effectRef idx="0">
+            <a:schemeClr val="accent1"/>
+          </a:effectRef>
+          <a:fontRef idx="minor">
+            <a:schemeClr val="lt1"/>
+          </a:fontRef>
+        </p:style>
+        <p:txBody>
+          <a:bodyPr rtlCol="0" anchor="ctr"/>
+          <a:lstStyle/>
+          <a:p>
+            <a:pPr algn="ctr"/>
+            <a:r>
+              <a:rPr lang="de-DE" smtClean="0"/>
+              <a:t>Musik hören</a:t>
+            </a:r>
+            <a:endParaRPr lang="de-DE"/>
+          </a:p>
+        </p:txBody>
+      </p:sp>
+      <p:sp>
+        <p:nvSpPr>
+          <p:cNvPr id="9" name="Rechteck 8"/>
+          <p:cNvSpPr/>
+          <p:nvPr/>
+        </p:nvSpPr>
+        <p:spPr>
+          <a:xfrm>
+            <a:off x="1207567" y="3677093"/>
+            <a:ext cx="2536303" cy="542261"/>
+          </a:xfrm>
+          <a:prstGeom prst="rect">
+            <a:avLst/>
+          </a:prstGeom>
+        </p:spPr>
+        <p:style>
+          <a:lnRef idx="2">
+            <a:schemeClr val="accent1">
+              <a:shade val="50000"/>
+            </a:schemeClr>
+          </a:lnRef>
+          <a:fillRef idx="1">
+            <a:schemeClr val="accent1"/>
+          </a:fillRef>
+          <a:effectRef idx="0">
+            <a:schemeClr val="accent1"/>
+          </a:effectRef>
+          <a:fontRef idx="minor">
+            <a:schemeClr val="lt1"/>
+          </a:fontRef>
+        </p:style>
+        <p:txBody>
+          <a:bodyPr rtlCol="0" anchor="ctr"/>
+          <a:lstStyle/>
+          <a:p>
+            <a:pPr algn="ctr"/>
+            <a:r>
+              <a:rPr lang="de-DE" smtClean="0"/>
+              <a:t>Konzerte</a:t>
+            </a:r>
+            <a:endParaRPr lang="de-DE"/>
+          </a:p>
+        </p:txBody>
+      </p:sp>
+      <p:sp>
+        <p:nvSpPr>
+          <p:cNvPr id="10" name="Rechteck 9"/>
+          <p:cNvSpPr/>
+          <p:nvPr/>
+        </p:nvSpPr>
+        <p:spPr>
+          <a:xfrm>
+            <a:off x="348512" y="2175242"/>
+            <a:ext cx="2536303" cy="542261"/>
+          </a:xfrm>
+          <a:prstGeom prst="rect">
+            <a:avLst/>
+          </a:prstGeom>
+        </p:spPr>
+        <p:style>
+          <a:lnRef idx="2">
+            <a:schemeClr val="accent1">
+              <a:shade val="50000"/>
+            </a:schemeClr>
+          </a:lnRef>
+          <a:fillRef idx="1">
+            <a:schemeClr val="accent1"/>
+          </a:fillRef>
+          <a:effectRef idx="0">
+            <a:schemeClr val="accent1"/>
+          </a:effectRef>
+          <a:fontRef idx="minor">
+            <a:schemeClr val="lt1"/>
+          </a:fontRef>
+        </p:style>
+        <p:txBody>
+          <a:bodyPr rtlCol="0" anchor="ctr"/>
+          <a:lstStyle/>
+          <a:p>
+            <a:pPr algn="ctr"/>
+            <a:r>
+              <a:rPr lang="de-DE" smtClean="0"/>
+              <a:t>Links</a:t>
+            </a:r>
+            <a:endParaRPr lang="de-DE"/>
+          </a:p>
+        </p:txBody>
+      </p:sp>
+      <p:sp>
+        <p:nvSpPr>
+          <p:cNvPr id="11" name="Rechteck 10"/>
+          <p:cNvSpPr/>
+          <p:nvPr/>
+        </p:nvSpPr>
+        <p:spPr>
+          <a:xfrm>
+            <a:off x="3402741" y="1910982"/>
+            <a:ext cx="3552761" cy="992815"/>
+          </a:xfrm>
+          <a:prstGeom prst="rect">
+            <a:avLst/>
+          </a:prstGeom>
+        </p:spPr>
+        <p:style>
+          <a:lnRef idx="2">
+            <a:schemeClr val="accent1">
+              <a:shade val="50000"/>
+            </a:schemeClr>
+          </a:lnRef>
+          <a:fillRef idx="1">
+            <a:schemeClr val="accent1"/>
+          </a:fillRef>
+          <a:effectRef idx="0">
+            <a:schemeClr val="accent1"/>
+          </a:effectRef>
+          <a:fontRef idx="minor">
+            <a:schemeClr val="lt1"/>
+          </a:fontRef>
+        </p:style>
+        <p:txBody>
+          <a:bodyPr rtlCol="0" anchor="ctr"/>
+          <a:lstStyle/>
+          <a:p>
+            <a:pPr algn="ctr"/>
+            <a:r>
+              <a:rPr lang="de-DE" sz="3200" b="1" smtClean="0"/>
+              <a:t>Empfehlungen</a:t>
+            </a:r>
+            <a:endParaRPr lang="de-DE" b="1"/>
+          </a:p>
+        </p:txBody>
+      </p:sp>
+      <p:sp>
+        <p:nvSpPr>
+          <p:cNvPr id="12" name="Fußzeilenplatzhalter 11"/>
+          <p:cNvSpPr>
+            <a:spLocks noGrp="1"/>
+          </p:cNvSpPr>
+          <p:nvPr>
+            <p:ph type="ftr" sz="quarter" idx="11"/>
+          </p:nvPr>
+        </p:nvSpPr>
+        <p:spPr/>
+        <p:txBody>
+          <a:bodyPr/>
+          <a:lstStyle/>
+          <a:p>
+            <a:pPr>
+              <a:defRPr/>
+            </a:pPr>
+            <a:r>
+              <a:rPr lang="de-DE" smtClean="0"/>
+              <a:t>MusicMashup Abschlusspräsentation, 05.02.2015</a:t>
+            </a:r>
+            <a:endParaRPr lang="de-DE"/>
+          </a:p>
+        </p:txBody>
+      </p:sp>
+      <p:sp>
+        <p:nvSpPr>
+          <p:cNvPr id="13" name="Foliennummernplatzhalter 12"/>
+          <p:cNvSpPr>
+            <a:spLocks noGrp="1"/>
+          </p:cNvSpPr>
+          <p:nvPr>
+            <p:ph type="sldNum" sz="quarter" idx="12"/>
+          </p:nvPr>
+        </p:nvSpPr>
+        <p:spPr/>
+        <p:txBody>
+          <a:bodyPr/>
+          <a:lstStyle/>
+          <a:p>
+            <a:fld id="{7CEB0A27-9D48-467E-B5E9-6890409EA776}" type="slidenum">
+              <a:rPr lang="de-DE" altLang="de-DE" smtClean="0"/>
+              <a:pPr/>
+              <a:t>4</a:t>
+            </a:fld>
+            <a:endParaRPr lang="de-DE" altLang="de-DE"/>
+          </a:p>
+        </p:txBody>
+      </p:sp>
+    </p:spTree>
+    <p:extLst>
+      <p:ext uri="{BB962C8B-B14F-4D97-AF65-F5344CB8AC3E}">
+        <p14:creationId xmlns:p14="http://schemas.microsoft.com/office/powerpoint/2010/main" val="380007629"/>
+      </p:ext>
+    </p:extLst>
+  </p:cSld>
+  <p:clrMapOvr>
+    <a:masterClrMapping/>
+  </p:clrMapOvr>
+  <p:timing>
+    <p:tnLst>
+      <p:par>
+        <p:cTn id="1" dur="indefinite" restart="never" nodeType="tmRoot">
+          <p:childTnLst>
+            <p:seq concurrent="1" nextAc="seek">
+              <p:cTn id="2" dur="indefinite" nodeType="mainSeq">
+                <p:childTnLst>
+                  <p:par>
+                    <p:cTn id="3" fill="hold">
+                      <p:stCondLst>
+                        <p:cond delay="indefinite"/>
+                      </p:stCondLst>
+                      <p:childTnLst>
+                        <p:par>
+                          <p:cTn id="4" fill="hold">
+                            <p:stCondLst>
+                              <p:cond delay="0"/>
+                            </p:stCondLst>
+                            <p:childTnLst>
+                              <p:par>
+                                <p:cTn id="5" presetID="1" presetClass="entr" presetSubtype="0" fill="hold" grpId="0" nodeType="clickEffect">
+                                  <p:stCondLst>
+                                    <p:cond delay="0"/>
+                                  </p:stCondLst>
+                                  <p:childTnLst>
+                                    <p:set>
+                                      <p:cBhvr>
+                                        <p:cTn id="6" dur="1" fill="hold">
+                                          <p:stCondLst>
+                                            <p:cond delay="0"/>
+                                          </p:stCondLst>
+                                        </p:cTn>
+                                        <p:tgtEl>
+                                          <p:spTgt spid="10"/>
+                                        </p:tgtEl>
+                                        <p:attrNameLst>
+                                          <p:attrName>style.visibility</p:attrName>
+                                        </p:attrNameLst>
+                                      </p:cBhvr>
+                                      <p:to>
+                                        <p:strVal val="visible"/>
+                                      </p:to>
+                                    </p:set>
+                                  </p:childTnLst>
+                                </p:cTn>
+                              </p:par>
+                              <p:par>
+                                <p:cTn id="7" presetID="1" presetClass="entr" presetSubtype="0" fill="hold" grpId="0" nodeType="withEffect">
+                                  <p:stCondLst>
+                                    <p:cond delay="0"/>
+                                  </p:stCondLst>
+                                  <p:childTnLst>
+                                    <p:set>
+                                      <p:cBhvr>
+                                        <p:cTn id="8" dur="1" fill="hold">
+                                          <p:stCondLst>
+                                            <p:cond delay="0"/>
+                                          </p:stCondLst>
+                                        </p:cTn>
+                                        <p:tgtEl>
+                                          <p:spTgt spid="7"/>
+                                        </p:tgtEl>
+                                        <p:attrNameLst>
+                                          <p:attrName>style.visibility</p:attrName>
+                                        </p:attrNameLst>
+                                      </p:cBhvr>
+                                      <p:to>
+                                        <p:strVal val="visible"/>
+                                      </p:to>
+                                    </p:set>
+                                  </p:childTnLst>
+                                </p:cTn>
+                              </p:par>
+                              <p:par>
+                                <p:cTn id="9" presetID="1" presetClass="entr" presetSubtype="0" fill="hold" grpId="0" nodeType="withEffect">
+                                  <p:stCondLst>
+                                    <p:cond delay="0"/>
+                                  </p:stCondLst>
+                                  <p:childTnLst>
+                                    <p:set>
+                                      <p:cBhvr>
+                                        <p:cTn id="10" dur="1" fill="hold">
+                                          <p:stCondLst>
+                                            <p:cond delay="0"/>
+                                          </p:stCondLst>
+                                        </p:cTn>
+                                        <p:tgtEl>
+                                          <p:spTgt spid="9"/>
+                                        </p:tgtEl>
+                                        <p:attrNameLst>
+                                          <p:attrName>style.visibility</p:attrName>
+                                        </p:attrNameLst>
+                                      </p:cBhvr>
+                                      <p:to>
+                                        <p:strVal val="visible"/>
+                                      </p:to>
+                                    </p:set>
+                                  </p:childTnLst>
+                                </p:cTn>
+                              </p:par>
+                              <p:par>
+                                <p:cTn id="11" presetID="1" presetClass="entr" presetSubtype="0" fill="hold" grpId="0" nodeType="withEffect">
+                                  <p:stCondLst>
+                                    <p:cond delay="0"/>
+                                  </p:stCondLst>
+                                  <p:childTnLst>
+                                    <p:set>
+                                      <p:cBhvr>
+                                        <p:cTn id="12" dur="1" fill="hold">
+                                          <p:stCondLst>
+                                            <p:cond delay="0"/>
+                                          </p:stCondLst>
+                                        </p:cTn>
+                                        <p:tgtEl>
+                                          <p:spTgt spid="8"/>
+                                        </p:tgtEl>
+                                        <p:attrNameLst>
+                                          <p:attrName>style.visibility</p:attrName>
+                                        </p:attrNameLst>
+                                      </p:cBhvr>
+                                      <p:to>
+                                        <p:strVal val="visible"/>
+                                      </p:to>
+                                    </p:set>
+                                  </p:childTnLst>
+                                </p:cTn>
+                              </p:par>
+                            </p:childTnLst>
+                          </p:cTn>
+                        </p:par>
+                      </p:childTnLst>
+                    </p:cTn>
+                  </p:par>
+                  <p:par>
+                    <p:cTn id="13" fill="hold">
+                      <p:stCondLst>
+                        <p:cond delay="indefinite"/>
+                      </p:stCondLst>
+                      <p:childTnLst>
+                        <p:par>
+                          <p:cTn id="14" fill="hold">
+                            <p:stCondLst>
+                              <p:cond delay="0"/>
+                            </p:stCondLst>
+                            <p:childTnLst>
+                              <p:par>
+                                <p:cTn id="15" presetID="1" presetClass="entr" presetSubtype="0" fill="hold" grpId="0" nodeType="clickEffect">
+                                  <p:stCondLst>
+                                    <p:cond delay="0"/>
+                                  </p:stCondLst>
+                                  <p:childTnLst>
+                                    <p:set>
+                                      <p:cBhvr>
+                                        <p:cTn id="16" dur="1" fill="hold">
+                                          <p:stCondLst>
+                                            <p:cond delay="0"/>
+                                          </p:stCondLst>
+                                        </p:cTn>
+                                        <p:tgtEl>
+                                          <p:spTgt spid="11"/>
+                                        </p:tgtEl>
+                                        <p:attrNameLst>
+                                          <p:attrName>style.visibility</p:attrName>
+                                        </p:attrNameLst>
+                                      </p:cBhvr>
+                                      <p:to>
+                                        <p:strVal val="visible"/>
+                                      </p:to>
+                                    </p:set>
+                                  </p:childTnLst>
+                                </p:cTn>
+                              </p:par>
+                            </p:childTnLst>
+                          </p:cTn>
+                        </p:par>
+                      </p:childTnLst>
+                    </p:cTn>
+                  </p:par>
+                </p:childTnLst>
+              </p:cTn>
+              <p:prevCondLst>
+                <p:cond evt="onPrev" delay="0">
+                  <p:tgtEl>
+                    <p:sldTgt/>
+                  </p:tgtEl>
+                </p:cond>
+              </p:prevCondLst>
+              <p:nextCondLst>
+                <p:cond evt="onNext" delay="0">
+                  <p:tgtEl>
+                    <p:sldTgt/>
+                  </p:tgtEl>
+                </p:cond>
+              </p:nextCondLst>
+            </p:seq>
+          </p:childTnLst>
+        </p:cTn>
+      </p:par>
+    </p:tnLst>
+    <p:bldLst>
+      <p:bldP spid="7" grpId="0" animBg="1"/>
+      <p:bldP spid="8" grpId="0" animBg="1"/>
+      <p:bldP spid="9" grpId="0" animBg="1"/>
+      <p:bldP spid="10" grpId="0" animBg="1"/>
+      <p:bldP spid="11" grpId="0" animBg="1"/>
+    </p:bldLst>
+  </p:timing>
+</p:sld>
+</file>
+
+<file path=ppt/slides/slide5.xml><?xml version="1.0" encoding="utf-8"?>
+<p:sld xmlns:a="http://schemas.openxmlformats.org/drawingml/2006/main" xmlns:r="http://schemas.openxmlformats.org/officeDocument/2006/relationships" xmlns:p="http://schemas.openxmlformats.org/presentationml/2006/main">
+  <p:cSld>
+    <p:spTree>
+      <p:nvGrpSpPr>
+        <p:cNvPr id="1" name=""/>
+        <p:cNvGrpSpPr/>
+        <p:nvPr/>
+      </p:nvGrpSpPr>
+      <p:grpSpPr>
+        <a:xfrm>
+          <a:off x="0" y="0"/>
+          <a:ext cx="0" cy="0"/>
+          <a:chOff x="0" y="0"/>
+          <a:chExt cx="0" cy="0"/>
+        </a:xfrm>
+      </p:grpSpPr>
+      <p:sp>
+        <p:nvSpPr>
+          <p:cNvPr id="2" name="Titel 1"/>
+          <p:cNvSpPr>
+            <a:spLocks noGrp="1"/>
+          </p:cNvSpPr>
+          <p:nvPr>
+            <p:ph type="title"/>
+          </p:nvPr>
+        </p:nvSpPr>
+        <p:spPr>
+          <a:xfrm>
+            <a:off x="784447" y="629842"/>
+            <a:ext cx="6447501" cy="990600"/>
+          </a:xfrm>
+        </p:spPr>
+        <p:txBody>
+          <a:bodyPr/>
+          <a:lstStyle/>
+          <a:p>
+            <a:r>
+              <a:rPr lang="de-DE" smtClean="0"/>
               <a:t>Agenda</a:t>
             </a:r>
             <a:endParaRPr lang="de-DE"/>
@@ -8100,7 +9275,17 @@
           <a:p>
             <a:r>
               <a:rPr lang="de-DE" sz="2800" smtClean="0"/>
-              <a:t> Einleitung </a:t>
+              <a:t> </a:t>
+            </a:r>
+            <a:r>
+              <a:rPr lang="de-DE" sz="2800" smtClean="0">
+                <a:solidFill>
+                  <a:schemeClr val="bg1">
+                    <a:lumMod val="85000"/>
+                  </a:schemeClr>
+                </a:solidFill>
+              </a:rPr>
+              <a:t>Einleitung </a:t>
             </a:r>
           </a:p>
           <a:p>
@@ -8131,6 +9316,56 @@
               <a:t> Ausblick</a:t>
             </a:r>
             <a:endParaRPr lang="de-DE" sz="2800"/>
+          </a:p>
+        </p:txBody>
+      </p:sp>
+      <p:sp>
+        <p:nvSpPr>
+          <p:cNvPr id="4" name="Fußzeilenplatzhalter 3"/>
+          <p:cNvSpPr>
+            <a:spLocks noGrp="1"/>
+          </p:cNvSpPr>
+          <p:nvPr>
+            <p:ph type="ftr" sz="quarter" idx="11"/>
+          </p:nvPr>
+        </p:nvSpPr>
+        <p:spPr/>
+        <p:txBody>
+          <a:bodyPr/>
+          <a:lstStyle/>
+          <a:p>
+            <a:pPr>
+              <a:defRPr/>
+            </a:pPr>
+            <a:r>
+              <a:rPr lang="de-DE" smtClean="0"/>
+              <a:t>MusicMashup Abschlusspräsentation, 05.02.2015</a:t>
+            </a:r>
+            <a:endParaRPr lang="de-DE"/>
+          </a:p>
+        </p:txBody>
+      </p:sp>
+      <p:sp>
+        <p:nvSpPr>
+          <p:cNvPr id="5" name="Foliennummernplatzhalter 4"/>
+          <p:cNvSpPr>
+            <a:spLocks noGrp="1"/>
+          </p:cNvSpPr>
+          <p:nvPr>
+            <p:ph type="sldNum" sz="quarter" idx="12"/>
+          </p:nvPr>
+        </p:nvSpPr>
+        <p:spPr/>
+        <p:txBody>
+          <a:bodyPr/>
+          <a:lstStyle/>
+          <a:p>
+            <a:fld id="{7CEB0A27-9D48-467E-B5E9-6890409EA776}" type="slidenum">
+              <a:rPr lang="de-DE" altLang="de-DE" smtClean="0"/>
+              <a:pPr/>
+              <a:t>5</a:t>
+            </a:fld>
+            <a:endParaRPr lang="de-DE" altLang="de-DE"/>
           </a:p>
         </p:txBody>
       </p:sp>
@@ -8144,10 +9379,17 @@
   <p:clrMapOvr>
     <a:masterClrMapping/>
   </p:clrMapOvr>
+  <p:timing>
+    <p:tnLst>
+      <p:par>
+        <p:cTn id="1" dur="indefinite" restart="never" nodeType="tmRoot"/>
+      </p:par>
+    </p:tnLst>
+  </p:timing>
 </p:sld>
 </file>
 
-<file path=ppt/slides/slide5.xml><?xml version="1.0" encoding="utf-8"?>
+<file path=ppt/slides/slide6.xml><?xml version="1.0" encoding="utf-8"?>
 <p:sld xmlns:a="http://schemas.openxmlformats.org/drawingml/2006/main" xmlns:r="http://schemas.openxmlformats.org/officeDocument/2006/relationships" xmlns:p="http://schemas.openxmlformats.org/presentationml/2006/main">
   <p:cSld>
     <p:bg>
@@ -11024,7 +12266,7 @@
 </p:sld>
 </file>
 
-<file path=ppt/slides/slide6.xml><?xml version="1.0" encoding="utf-8"?>
+<file path=ppt/slides/slide7.xml><?xml version="1.0" encoding="utf-8"?>
 <p:sld xmlns:a="http://schemas.openxmlformats.org/drawingml/2006/main" xmlns:r="http://schemas.openxmlformats.org/officeDocument/2006/relationships" xmlns:p="http://schemas.openxmlformats.org/presentationml/2006/main">
   <p:cSld>
     <p:bg>
@@ -11449,14 +12691,14 @@
             </a:ln>
             <a:extLst>
               <a:ext uri="{909E8E84-426E-40dd-AFC4-6F175D3DCCD1}">
-                <a14:hiddenFill xmlns:a14="http://schemas.microsoft.com/office/drawing/2010/main" xmlns="">
+                <a14:hiddenFill xmlns="" xmlns:a14="http://schemas.microsoft.com/office/drawing/2010/main">
                   <a:solidFill>
                     <a:srgbClr val="FFFFFF"/>
                   </a:solidFill>
                 </a14:hiddenFill>
               </a:ext>
               <a:ext uri="{91240B29-F687-4f45-9708-019B960494DF}">
-                <a14:hiddenLine xmlns:a14="http://schemas.microsoft.com/office/drawing/2010/main" xmlns="" w="9525">
+                <a14:hiddenLine xmlns="" xmlns:a14="http://schemas.microsoft.com/office/drawing/2010/main" w="9525">
                   <a:solidFill>
                     <a:srgbClr val="000000"/>
                   </a:solidFill>
@@ -14734,14 +15976,14 @@
           </a:ln>
           <a:extLst>
             <a:ext uri="{909E8E84-426E-40dd-AFC4-6F175D3DCCD1}">
-              <a14:hiddenFill xmlns:a14="http://schemas.microsoft.com/office/drawing/2010/main" xmlns="">
+              <a14:hiddenFill xmlns="" xmlns:a14="http://schemas.microsoft.com/office/drawing/2010/main">
                 <a:solidFill>
                   <a:srgbClr val="FFFFFF"/>
                 </a:solidFill>
               </a14:hiddenFill>
             </a:ext>
             <a:ext uri="{91240B29-F687-4f45-9708-019B960494DF}">
-              <a14:hiddenLine xmlns:a14="http://schemas.microsoft.com/office/drawing/2010/main" xmlns="" w="9525">
+              <a14:hiddenLine xmlns="" xmlns:a14="http://schemas.microsoft.com/office/drawing/2010/main" w="9525">
                 <a:solidFill>
                   <a:srgbClr val="000000"/>
                 </a:solidFill>
@@ -17243,7 +18485,7 @@
 </p:sld>
 </file>
 
-<file path=ppt/slides/slide7.xml><?xml version="1.0" encoding="utf-8"?>
+<file path=ppt/slides/slide8.xml><?xml version="1.0" encoding="utf-8"?>
 <p:sld xmlns:a="http://schemas.openxmlformats.org/drawingml/2006/main" xmlns:r="http://schemas.openxmlformats.org/officeDocument/2006/relationships" xmlns:p="http://schemas.openxmlformats.org/presentationml/2006/main">
   <p:cSld>
     <p:spTree>
@@ -17316,34 +18558,34 @@
       </p:pic>
       <p:sp>
         <p:nvSpPr>
-          <p:cNvPr id="2" name="Rechteck 1"/>
+          <p:cNvPr id="2" name="Flussdiagramm: Dokument 1"/>
           <p:cNvSpPr/>
           <p:nvPr/>
         </p:nvSpPr>
         <p:spPr>
           <a:xfrm>
-            <a:off x="2899869" y="1529731"/>
+            <a:off x="2899869" y="1734592"/>
             <a:ext cx="3232298" cy="2945218"/>
           </a:xfrm>
-          <a:prstGeom prst="rect">
+          <a:prstGeom prst="flowChartDocument">
             <a:avLst/>
           </a:prstGeom>
-          <a:ln>
-            <a:noFill/>
-          </a:ln>
+          <a:ln/>
         </p:spPr>
         <p:style>
           <a:lnRef idx="2">
-            <a:schemeClr val="accent6"/>
+            <a:schemeClr val="accent1">
+              <a:shade val="50000"/>
+            </a:schemeClr>
           </a:lnRef>
           <a:fillRef idx="1">
-            <a:schemeClr val="lt1"/>
+            <a:schemeClr val="accent1"/>
           </a:fillRef>
           <a:effectRef idx="0">
-            <a:schemeClr val="accent6"/>
+            <a:schemeClr val="accent1"/>
           </a:effectRef>
           <a:fontRef idx="minor">
-            <a:schemeClr val="dk1"/>
+            <a:schemeClr val="lt1"/>
           </a:fontRef>
         </p:style>
         <p:txBody>
@@ -17918,6 +19160,33 @@
                                   </p:childTnLst>
                                 </p:cTn>
                               </p:par>
+                              <p:par>
+                                <p:cTn id="12" presetID="1" presetClass="entr" presetSubtype="0" fill="hold" grpId="0" nodeType="withEffect">
+                                  <p:stCondLst>
+                                    <p:cond delay="0"/>
+                                  </p:stCondLst>
+                                  <p:childTnLst>
+                                    <p:set>
+                                      <p:cBhvr>
+                                        <p:cTn id="13" dur="1" fill="hold">
+                                          <p:stCondLst>
+                                            <p:cond delay="0"/>
+                                          </p:stCondLst>
+                                        </p:cTn>
+                                        <p:tgtEl>
+                                          <p:spTgt spid="2"/>
+                                        </p:tgtEl>
+                                        <p:attrNameLst>
+                                          <p:attrName>style.visibility</p:attrName>
+                                        </p:attrNameLst>
+                                      </p:cBhvr>
+                                      <p:to>
+                                        <p:strVal val="visible"/>
+                                      </p:to>
+                                    </p:set>
+                                  </p:childTnLst>
+                                </p:cTn>
+                              </p:par>
                             </p:childTnLst>
                           </p:cTn>
                         </p:par>
@@ -17946,13 +19215,14 @@
       </p:par>
     </p:tnLst>
     <p:bldLst>
+      <p:bldP spid="2" grpId="0" animBg="1"/>
       <p:bldP spid="9" grpId="0"/>
     </p:bldLst>
   </p:timing>
 </p:sld>
 </file>
 
-<file path=ppt/slides/slide8.xml><?xml version="1.0" encoding="utf-8"?>
+<file path=ppt/slides/slide9.xml><?xml version="1.0" encoding="utf-8"?>
 <p:sld xmlns:a="http://schemas.openxmlformats.org/drawingml/2006/main" xmlns:r="http://schemas.openxmlformats.org/officeDocument/2006/relationships" xmlns:p="http://schemas.openxmlformats.org/presentationml/2006/main">
   <p:cSld>
     <p:spTree>
@@ -18085,106 +19355,13 @@
     <a:masterClrMapping/>
   </p:clrMapOvr>
   <p:transition spd="med"/>
-</p:sld>
-</file>
-
-<file path=ppt/slides/slide9.xml><?xml version="1.0" encoding="utf-8"?>
-<p:sld xmlns:a="http://schemas.openxmlformats.org/drawingml/2006/main" xmlns:r="http://schemas.openxmlformats.org/officeDocument/2006/relationships" xmlns:p="http://schemas.openxmlformats.org/presentationml/2006/main" show="0">
-  <p:cSld>
-    <p:spTree>
-      <p:nvGrpSpPr>
-        <p:cNvPr id="1" name=""/>
-        <p:cNvGrpSpPr/>
-        <p:nvPr/>
-      </p:nvGrpSpPr>
-      <p:grpSpPr>
-        <a:xfrm>
-          <a:off x="0" y="0"/>
-          <a:ext cx="0" cy="0"/>
-          <a:chOff x="0" y="0"/>
-          <a:chExt cx="0" cy="0"/>
-        </a:xfrm>
-      </p:grpSpPr>
-      <p:sp>
-        <p:nvSpPr>
-          <p:cNvPr id="35" name="Shape 35"/>
-          <p:cNvSpPr>
-            <a:spLocks noGrp="1"/>
-          </p:cNvSpPr>
-          <p:nvPr>
-            <p:ph type="title"/>
-          </p:nvPr>
-        </p:nvSpPr>
-        <p:spPr>
-          <a:prstGeom prst="rect">
-            <a:avLst/>
-          </a:prstGeom>
-        </p:spPr>
-        <p:txBody>
-          <a:bodyPr>
-            <a:normAutofit fontScale="90000"/>
-          </a:bodyPr>
-          <a:lstStyle/>
-          <a:p>
-            <a:pPr defTabSz="258760">
-              <a:defRPr sz="1800"/>
-            </a:pPr>
-            <a:r>
-              <a:rPr sz="3543"/>
-              <a:t>Probleme und Lösungen:</a:t>
-            </a:r>
-          </a:p>
-          <a:p>
-            <a:pPr defTabSz="258760">
-              <a:defRPr sz="1800"/>
-            </a:pPr>
-            <a:r>
-              <a:rPr sz="3543"/>
-              <a:t>unbekannte Bands</a:t>
-            </a:r>
-          </a:p>
-        </p:txBody>
-      </p:sp>
-      <p:sp>
-        <p:nvSpPr>
-          <p:cNvPr id="36" name="Shape 36"/>
-          <p:cNvSpPr>
-            <a:spLocks noGrp="1"/>
-          </p:cNvSpPr>
-          <p:nvPr>
-            <p:ph type="body" idx="1"/>
-          </p:nvPr>
-        </p:nvSpPr>
-        <p:spPr>
-          <a:prstGeom prst="rect">
-            <a:avLst/>
-          </a:prstGeom>
-        </p:spPr>
-        <p:txBody>
-          <a:bodyPr/>
-          <a:lstStyle/>
-          <a:p>
-            <a:pPr lvl="0">
-              <a:defRPr sz="1800"/>
-            </a:pPr>
-            <a:r>
-              <a:rPr sz="1898"/>
-              <a:t>DBPedia und Musicbrainz kennen nicht alle Bands</a:t>
-            </a:r>
-          </a:p>
-        </p:txBody>
-      </p:sp>
-    </p:spTree>
-    <p:extLst>
-      <p:ext uri="{BB962C8B-B14F-4D97-AF65-F5344CB8AC3E}">
-        <p14:creationId xmlns:p14="http://schemas.microsoft.com/office/powerpoint/2010/main" val="2809021053"/>
-      </p:ext>
-    </p:extLst>
-  </p:cSld>
-  <p:clrMapOvr>
-    <a:masterClrMapping/>
-  </p:clrMapOvr>
-  <p:transition spd="med"/>
+  <p:timing>
+    <p:tnLst>
+      <p:par>
+        <p:cTn id="1" dur="indefinite" restart="never" nodeType="tmRoot"/>
+      </p:par>
+    </p:tnLst>
+  </p:timing>
 </p:sld>
 </file>
 
